--- a/신규펫/2018-04-25_5월 펫 배너 컨셉_안명선.pptx
+++ b/신규펫/2018-04-25_5월 펫 배너 컨셉_안명선.pptx
@@ -6,9 +6,8 @@
   </p:sldMasterIdLst>
   <p:sldIdLst>
     <p:sldId id="256" r:id="rId2"/>
-    <p:sldId id="259" r:id="rId3"/>
-    <p:sldId id="260" r:id="rId4"/>
-    <p:sldId id="261" r:id="rId5"/>
+    <p:sldId id="264" r:id="rId3"/>
+    <p:sldId id="261" r:id="rId4"/>
   </p:sldIdLst>
   <p:sldSz cx="12192000" cy="6858000"/>
   <p:notesSz cx="6858000" cy="9144000"/>
@@ -244,9 +243,9 @@
           <a:bodyPr/>
           <a:lstStyle/>
           <a:p>
-            <a:fld id="{5CAFBBE6-FA13-49E8-83D7-39BDDB39D2EE}" type="datetimeFigureOut">
-              <a:rPr lang="ko-KR" altLang="en-US" smtClean="0"/>
-              <a:t>2018-04-25</a:t>
+            <a:fld id="{2EC43B6E-FBC9-4A0E-95E9-2E1C3B6A2A10}" type="datetimeFigureOut">
+              <a:rPr lang="ko-KR" altLang="en-US" smtClean="0"/>
+              <a:t>2019-04-25</a:t>
             </a:fld>
             <a:endParaRPr lang="ko-KR" altLang="en-US"/>
           </a:p>
@@ -286,7 +285,7 @@
           <a:bodyPr/>
           <a:lstStyle/>
           <a:p>
-            <a:fld id="{67F44317-C06B-4582-8114-4C1E8565A3BD}" type="slidenum">
+            <a:fld id="{2991803A-E242-4272-A57B-D962E0A0F2A4}" type="slidenum">
               <a:rPr lang="ko-KR" altLang="en-US" smtClean="0"/>
               <a:t>‹#›</a:t>
             </a:fld>
@@ -297,7 +296,7 @@
     </p:spTree>
     <p:extLst>
       <p:ext uri="{BB962C8B-B14F-4D97-AF65-F5344CB8AC3E}">
-        <p14:creationId xmlns:p14="http://schemas.microsoft.com/office/powerpoint/2010/main" val="2552429536"/>
+        <p14:creationId xmlns:p14="http://schemas.microsoft.com/office/powerpoint/2010/main" val="2217478448"/>
       </p:ext>
     </p:extLst>
   </p:cSld>
@@ -414,9 +413,9 @@
           <a:bodyPr/>
           <a:lstStyle/>
           <a:p>
-            <a:fld id="{5CAFBBE6-FA13-49E8-83D7-39BDDB39D2EE}" type="datetimeFigureOut">
-              <a:rPr lang="ko-KR" altLang="en-US" smtClean="0"/>
-              <a:t>2018-04-25</a:t>
+            <a:fld id="{2EC43B6E-FBC9-4A0E-95E9-2E1C3B6A2A10}" type="datetimeFigureOut">
+              <a:rPr lang="ko-KR" altLang="en-US" smtClean="0"/>
+              <a:t>2019-04-25</a:t>
             </a:fld>
             <a:endParaRPr lang="ko-KR" altLang="en-US"/>
           </a:p>
@@ -456,7 +455,7 @@
           <a:bodyPr/>
           <a:lstStyle/>
           <a:p>
-            <a:fld id="{67F44317-C06B-4582-8114-4C1E8565A3BD}" type="slidenum">
+            <a:fld id="{2991803A-E242-4272-A57B-D962E0A0F2A4}" type="slidenum">
               <a:rPr lang="ko-KR" altLang="en-US" smtClean="0"/>
               <a:t>‹#›</a:t>
             </a:fld>
@@ -467,7 +466,7 @@
     </p:spTree>
     <p:extLst>
       <p:ext uri="{BB962C8B-B14F-4D97-AF65-F5344CB8AC3E}">
-        <p14:creationId xmlns:p14="http://schemas.microsoft.com/office/powerpoint/2010/main" val="2221505341"/>
+        <p14:creationId xmlns:p14="http://schemas.microsoft.com/office/powerpoint/2010/main" val="3784195880"/>
       </p:ext>
     </p:extLst>
   </p:cSld>
@@ -594,9 +593,9 @@
           <a:bodyPr/>
           <a:lstStyle/>
           <a:p>
-            <a:fld id="{5CAFBBE6-FA13-49E8-83D7-39BDDB39D2EE}" type="datetimeFigureOut">
-              <a:rPr lang="ko-KR" altLang="en-US" smtClean="0"/>
-              <a:t>2018-04-25</a:t>
+            <a:fld id="{2EC43B6E-FBC9-4A0E-95E9-2E1C3B6A2A10}" type="datetimeFigureOut">
+              <a:rPr lang="ko-KR" altLang="en-US" smtClean="0"/>
+              <a:t>2019-04-25</a:t>
             </a:fld>
             <a:endParaRPr lang="ko-KR" altLang="en-US"/>
           </a:p>
@@ -636,7 +635,7 @@
           <a:bodyPr/>
           <a:lstStyle/>
           <a:p>
-            <a:fld id="{67F44317-C06B-4582-8114-4C1E8565A3BD}" type="slidenum">
+            <a:fld id="{2991803A-E242-4272-A57B-D962E0A0F2A4}" type="slidenum">
               <a:rPr lang="ko-KR" altLang="en-US" smtClean="0"/>
               <a:t>‹#›</a:t>
             </a:fld>
@@ -647,7 +646,7 @@
     </p:spTree>
     <p:extLst>
       <p:ext uri="{BB962C8B-B14F-4D97-AF65-F5344CB8AC3E}">
-        <p14:creationId xmlns:p14="http://schemas.microsoft.com/office/powerpoint/2010/main" val="2638103016"/>
+        <p14:creationId xmlns:p14="http://schemas.microsoft.com/office/powerpoint/2010/main" val="4120152299"/>
       </p:ext>
     </p:extLst>
   </p:cSld>
@@ -764,9 +763,9 @@
           <a:bodyPr/>
           <a:lstStyle/>
           <a:p>
-            <a:fld id="{5CAFBBE6-FA13-49E8-83D7-39BDDB39D2EE}" type="datetimeFigureOut">
-              <a:rPr lang="ko-KR" altLang="en-US" smtClean="0"/>
-              <a:t>2018-04-25</a:t>
+            <a:fld id="{2EC43B6E-FBC9-4A0E-95E9-2E1C3B6A2A10}" type="datetimeFigureOut">
+              <a:rPr lang="ko-KR" altLang="en-US" smtClean="0"/>
+              <a:t>2019-04-25</a:t>
             </a:fld>
             <a:endParaRPr lang="ko-KR" altLang="en-US"/>
           </a:p>
@@ -806,7 +805,7 @@
           <a:bodyPr/>
           <a:lstStyle/>
           <a:p>
-            <a:fld id="{67F44317-C06B-4582-8114-4C1E8565A3BD}" type="slidenum">
+            <a:fld id="{2991803A-E242-4272-A57B-D962E0A0F2A4}" type="slidenum">
               <a:rPr lang="ko-KR" altLang="en-US" smtClean="0"/>
               <a:t>‹#›</a:t>
             </a:fld>
@@ -817,7 +816,7 @@
     </p:spTree>
     <p:extLst>
       <p:ext uri="{BB962C8B-B14F-4D97-AF65-F5344CB8AC3E}">
-        <p14:creationId xmlns:p14="http://schemas.microsoft.com/office/powerpoint/2010/main" val="2312687650"/>
+        <p14:creationId xmlns:p14="http://schemas.microsoft.com/office/powerpoint/2010/main" val="1767037099"/>
       </p:ext>
     </p:extLst>
   </p:cSld>
@@ -1010,9 +1009,9 @@
           <a:bodyPr/>
           <a:lstStyle/>
           <a:p>
-            <a:fld id="{5CAFBBE6-FA13-49E8-83D7-39BDDB39D2EE}" type="datetimeFigureOut">
-              <a:rPr lang="ko-KR" altLang="en-US" smtClean="0"/>
-              <a:t>2018-04-25</a:t>
+            <a:fld id="{2EC43B6E-FBC9-4A0E-95E9-2E1C3B6A2A10}" type="datetimeFigureOut">
+              <a:rPr lang="ko-KR" altLang="en-US" smtClean="0"/>
+              <a:t>2019-04-25</a:t>
             </a:fld>
             <a:endParaRPr lang="ko-KR" altLang="en-US"/>
           </a:p>
@@ -1052,7 +1051,7 @@
           <a:bodyPr/>
           <a:lstStyle/>
           <a:p>
-            <a:fld id="{67F44317-C06B-4582-8114-4C1E8565A3BD}" type="slidenum">
+            <a:fld id="{2991803A-E242-4272-A57B-D962E0A0F2A4}" type="slidenum">
               <a:rPr lang="ko-KR" altLang="en-US" smtClean="0"/>
               <a:t>‹#›</a:t>
             </a:fld>
@@ -1063,7 +1062,7 @@
     </p:spTree>
     <p:extLst>
       <p:ext uri="{BB962C8B-B14F-4D97-AF65-F5344CB8AC3E}">
-        <p14:creationId xmlns:p14="http://schemas.microsoft.com/office/powerpoint/2010/main" val="2738711883"/>
+        <p14:creationId xmlns:p14="http://schemas.microsoft.com/office/powerpoint/2010/main" val="4216250039"/>
       </p:ext>
     </p:extLst>
   </p:cSld>
@@ -1242,9 +1241,9 @@
           <a:bodyPr/>
           <a:lstStyle/>
           <a:p>
-            <a:fld id="{5CAFBBE6-FA13-49E8-83D7-39BDDB39D2EE}" type="datetimeFigureOut">
-              <a:rPr lang="ko-KR" altLang="en-US" smtClean="0"/>
-              <a:t>2018-04-25</a:t>
+            <a:fld id="{2EC43B6E-FBC9-4A0E-95E9-2E1C3B6A2A10}" type="datetimeFigureOut">
+              <a:rPr lang="ko-KR" altLang="en-US" smtClean="0"/>
+              <a:t>2019-04-25</a:t>
             </a:fld>
             <a:endParaRPr lang="ko-KR" altLang="en-US"/>
           </a:p>
@@ -1284,7 +1283,7 @@
           <a:bodyPr/>
           <a:lstStyle/>
           <a:p>
-            <a:fld id="{67F44317-C06B-4582-8114-4C1E8565A3BD}" type="slidenum">
+            <a:fld id="{2991803A-E242-4272-A57B-D962E0A0F2A4}" type="slidenum">
               <a:rPr lang="ko-KR" altLang="en-US" smtClean="0"/>
               <a:t>‹#›</a:t>
             </a:fld>
@@ -1295,7 +1294,7 @@
     </p:spTree>
     <p:extLst>
       <p:ext uri="{BB962C8B-B14F-4D97-AF65-F5344CB8AC3E}">
-        <p14:creationId xmlns:p14="http://schemas.microsoft.com/office/powerpoint/2010/main" val="759854302"/>
+        <p14:creationId xmlns:p14="http://schemas.microsoft.com/office/powerpoint/2010/main" val="2715269090"/>
       </p:ext>
     </p:extLst>
   </p:cSld>
@@ -1609,9 +1608,9 @@
           <a:bodyPr/>
           <a:lstStyle/>
           <a:p>
-            <a:fld id="{5CAFBBE6-FA13-49E8-83D7-39BDDB39D2EE}" type="datetimeFigureOut">
-              <a:rPr lang="ko-KR" altLang="en-US" smtClean="0"/>
-              <a:t>2018-04-25</a:t>
+            <a:fld id="{2EC43B6E-FBC9-4A0E-95E9-2E1C3B6A2A10}" type="datetimeFigureOut">
+              <a:rPr lang="ko-KR" altLang="en-US" smtClean="0"/>
+              <a:t>2019-04-25</a:t>
             </a:fld>
             <a:endParaRPr lang="ko-KR" altLang="en-US"/>
           </a:p>
@@ -1651,7 +1650,7 @@
           <a:bodyPr/>
           <a:lstStyle/>
           <a:p>
-            <a:fld id="{67F44317-C06B-4582-8114-4C1E8565A3BD}" type="slidenum">
+            <a:fld id="{2991803A-E242-4272-A57B-D962E0A0F2A4}" type="slidenum">
               <a:rPr lang="ko-KR" altLang="en-US" smtClean="0"/>
               <a:t>‹#›</a:t>
             </a:fld>
@@ -1662,7 +1661,7 @@
     </p:spTree>
     <p:extLst>
       <p:ext uri="{BB962C8B-B14F-4D97-AF65-F5344CB8AC3E}">
-        <p14:creationId xmlns:p14="http://schemas.microsoft.com/office/powerpoint/2010/main" val="3613146310"/>
+        <p14:creationId xmlns:p14="http://schemas.microsoft.com/office/powerpoint/2010/main" val="627002945"/>
       </p:ext>
     </p:extLst>
   </p:cSld>
@@ -1727,9 +1726,9 @@
           <a:bodyPr/>
           <a:lstStyle/>
           <a:p>
-            <a:fld id="{5CAFBBE6-FA13-49E8-83D7-39BDDB39D2EE}" type="datetimeFigureOut">
-              <a:rPr lang="ko-KR" altLang="en-US" smtClean="0"/>
-              <a:t>2018-04-25</a:t>
+            <a:fld id="{2EC43B6E-FBC9-4A0E-95E9-2E1C3B6A2A10}" type="datetimeFigureOut">
+              <a:rPr lang="ko-KR" altLang="en-US" smtClean="0"/>
+              <a:t>2019-04-25</a:t>
             </a:fld>
             <a:endParaRPr lang="ko-KR" altLang="en-US"/>
           </a:p>
@@ -1769,7 +1768,7 @@
           <a:bodyPr/>
           <a:lstStyle/>
           <a:p>
-            <a:fld id="{67F44317-C06B-4582-8114-4C1E8565A3BD}" type="slidenum">
+            <a:fld id="{2991803A-E242-4272-A57B-D962E0A0F2A4}" type="slidenum">
               <a:rPr lang="ko-KR" altLang="en-US" smtClean="0"/>
               <a:t>‹#›</a:t>
             </a:fld>
@@ -1780,7 +1779,7 @@
     </p:spTree>
     <p:extLst>
       <p:ext uri="{BB962C8B-B14F-4D97-AF65-F5344CB8AC3E}">
-        <p14:creationId xmlns:p14="http://schemas.microsoft.com/office/powerpoint/2010/main" val="4168093000"/>
+        <p14:creationId xmlns:p14="http://schemas.microsoft.com/office/powerpoint/2010/main" val="2075083942"/>
       </p:ext>
     </p:extLst>
   </p:cSld>
@@ -1822,9 +1821,9 @@
           <a:bodyPr/>
           <a:lstStyle/>
           <a:p>
-            <a:fld id="{5CAFBBE6-FA13-49E8-83D7-39BDDB39D2EE}" type="datetimeFigureOut">
-              <a:rPr lang="ko-KR" altLang="en-US" smtClean="0"/>
-              <a:t>2018-04-25</a:t>
+            <a:fld id="{2EC43B6E-FBC9-4A0E-95E9-2E1C3B6A2A10}" type="datetimeFigureOut">
+              <a:rPr lang="ko-KR" altLang="en-US" smtClean="0"/>
+              <a:t>2019-04-25</a:t>
             </a:fld>
             <a:endParaRPr lang="ko-KR" altLang="en-US"/>
           </a:p>
@@ -1864,7 +1863,7 @@
           <a:bodyPr/>
           <a:lstStyle/>
           <a:p>
-            <a:fld id="{67F44317-C06B-4582-8114-4C1E8565A3BD}" type="slidenum">
+            <a:fld id="{2991803A-E242-4272-A57B-D962E0A0F2A4}" type="slidenum">
               <a:rPr lang="ko-KR" altLang="en-US" smtClean="0"/>
               <a:t>‹#›</a:t>
             </a:fld>
@@ -1875,7 +1874,7 @@
     </p:spTree>
     <p:extLst>
       <p:ext uri="{BB962C8B-B14F-4D97-AF65-F5344CB8AC3E}">
-        <p14:creationId xmlns:p14="http://schemas.microsoft.com/office/powerpoint/2010/main" val="4020558167"/>
+        <p14:creationId xmlns:p14="http://schemas.microsoft.com/office/powerpoint/2010/main" val="39654102"/>
       </p:ext>
     </p:extLst>
   </p:cSld>
@@ -2099,9 +2098,9 @@
           <a:bodyPr/>
           <a:lstStyle/>
           <a:p>
-            <a:fld id="{5CAFBBE6-FA13-49E8-83D7-39BDDB39D2EE}" type="datetimeFigureOut">
-              <a:rPr lang="ko-KR" altLang="en-US" smtClean="0"/>
-              <a:t>2018-04-25</a:t>
+            <a:fld id="{2EC43B6E-FBC9-4A0E-95E9-2E1C3B6A2A10}" type="datetimeFigureOut">
+              <a:rPr lang="ko-KR" altLang="en-US" smtClean="0"/>
+              <a:t>2019-04-25</a:t>
             </a:fld>
             <a:endParaRPr lang="ko-KR" altLang="en-US"/>
           </a:p>
@@ -2141,7 +2140,7 @@
           <a:bodyPr/>
           <a:lstStyle/>
           <a:p>
-            <a:fld id="{67F44317-C06B-4582-8114-4C1E8565A3BD}" type="slidenum">
+            <a:fld id="{2991803A-E242-4272-A57B-D962E0A0F2A4}" type="slidenum">
               <a:rPr lang="ko-KR" altLang="en-US" smtClean="0"/>
               <a:t>‹#›</a:t>
             </a:fld>
@@ -2152,7 +2151,7 @@
     </p:spTree>
     <p:extLst>
       <p:ext uri="{BB962C8B-B14F-4D97-AF65-F5344CB8AC3E}">
-        <p14:creationId xmlns:p14="http://schemas.microsoft.com/office/powerpoint/2010/main" val="1808668543"/>
+        <p14:creationId xmlns:p14="http://schemas.microsoft.com/office/powerpoint/2010/main" val="4048563606"/>
       </p:ext>
     </p:extLst>
   </p:cSld>
@@ -2352,9 +2351,9 @@
           <a:bodyPr/>
           <a:lstStyle/>
           <a:p>
-            <a:fld id="{5CAFBBE6-FA13-49E8-83D7-39BDDB39D2EE}" type="datetimeFigureOut">
-              <a:rPr lang="ko-KR" altLang="en-US" smtClean="0"/>
-              <a:t>2018-04-25</a:t>
+            <a:fld id="{2EC43B6E-FBC9-4A0E-95E9-2E1C3B6A2A10}" type="datetimeFigureOut">
+              <a:rPr lang="ko-KR" altLang="en-US" smtClean="0"/>
+              <a:t>2019-04-25</a:t>
             </a:fld>
             <a:endParaRPr lang="ko-KR" altLang="en-US"/>
           </a:p>
@@ -2394,7 +2393,7 @@
           <a:bodyPr/>
           <a:lstStyle/>
           <a:p>
-            <a:fld id="{67F44317-C06B-4582-8114-4C1E8565A3BD}" type="slidenum">
+            <a:fld id="{2991803A-E242-4272-A57B-D962E0A0F2A4}" type="slidenum">
               <a:rPr lang="ko-KR" altLang="en-US" smtClean="0"/>
               <a:t>‹#›</a:t>
             </a:fld>
@@ -2405,7 +2404,7 @@
     </p:spTree>
     <p:extLst>
       <p:ext uri="{BB962C8B-B14F-4D97-AF65-F5344CB8AC3E}">
-        <p14:creationId xmlns:p14="http://schemas.microsoft.com/office/powerpoint/2010/main" val="140174178"/>
+        <p14:creationId xmlns:p14="http://schemas.microsoft.com/office/powerpoint/2010/main" val="3996926575"/>
       </p:ext>
     </p:extLst>
   </p:cSld>
@@ -2565,9 +2564,9 @@
             </a:lvl1pPr>
           </a:lstStyle>
           <a:p>
-            <a:fld id="{5CAFBBE6-FA13-49E8-83D7-39BDDB39D2EE}" type="datetimeFigureOut">
-              <a:rPr lang="ko-KR" altLang="en-US" smtClean="0"/>
-              <a:t>2018-04-25</a:t>
+            <a:fld id="{2EC43B6E-FBC9-4A0E-95E9-2E1C3B6A2A10}" type="datetimeFigureOut">
+              <a:rPr lang="ko-KR" altLang="en-US" smtClean="0"/>
+              <a:t>2019-04-25</a:t>
             </a:fld>
             <a:endParaRPr lang="ko-KR" altLang="en-US"/>
           </a:p>
@@ -2643,7 +2642,7 @@
             </a:lvl1pPr>
           </a:lstStyle>
           <a:p>
-            <a:fld id="{67F44317-C06B-4582-8114-4C1E8565A3BD}" type="slidenum">
+            <a:fld id="{2991803A-E242-4272-A57B-D962E0A0F2A4}" type="slidenum">
               <a:rPr lang="ko-KR" altLang="en-US" smtClean="0"/>
               <a:t>‹#›</a:t>
             </a:fld>
@@ -2654,7 +2653,7 @@
     </p:spTree>
     <p:extLst>
       <p:ext uri="{BB962C8B-B14F-4D97-AF65-F5344CB8AC3E}">
-        <p14:creationId xmlns:p14="http://schemas.microsoft.com/office/powerpoint/2010/main" val="2475211693"/>
+        <p14:creationId xmlns:p14="http://schemas.microsoft.com/office/powerpoint/2010/main" val="1508381206"/>
       </p:ext>
     </p:extLst>
   </p:cSld>
@@ -3019,7 +3018,7 @@
     </p:spTree>
     <p:extLst>
       <p:ext uri="{BB962C8B-B14F-4D97-AF65-F5344CB8AC3E}">
-        <p14:creationId xmlns:p14="http://schemas.microsoft.com/office/powerpoint/2010/main" val="640307079"/>
+        <p14:creationId xmlns:p14="http://schemas.microsoft.com/office/powerpoint/2010/main" val="2613885515"/>
       </p:ext>
     </p:extLst>
   </p:cSld>
@@ -3048,92 +3047,14 @@
       </p:grpSpPr>
       <p:sp>
         <p:nvSpPr>
-          <p:cNvPr id="10" name="직사각형 9"/>
-          <p:cNvSpPr/>
-          <p:nvPr/>
-        </p:nvSpPr>
-        <p:spPr>
-          <a:xfrm>
-            <a:off x="1178509" y="2089847"/>
-            <a:ext cx="6670827" cy="3753865"/>
-          </a:xfrm>
-          <a:prstGeom prst="rect">
-            <a:avLst/>
-          </a:prstGeom>
-          <a:ln/>
-        </p:spPr>
-        <p:style>
-          <a:lnRef idx="2">
-            <a:schemeClr val="accent6"/>
-          </a:lnRef>
-          <a:fillRef idx="1">
-            <a:schemeClr val="lt1"/>
-          </a:fillRef>
-          <a:effectRef idx="0">
-            <a:schemeClr val="accent6"/>
-          </a:effectRef>
-          <a:fontRef idx="minor">
-            <a:schemeClr val="dk1"/>
-          </a:fontRef>
-        </p:style>
-        <p:txBody>
-          <a:bodyPr rtlCol="0" anchor="ctr"/>
-          <a:lstStyle/>
-          <a:p>
-            <a:pPr algn="ctr"/>
-            <a:endParaRPr lang="ko-KR" altLang="en-US"/>
-          </a:p>
-        </p:txBody>
-      </p:sp>
-      <p:pic>
-        <p:nvPicPr>
-          <p:cNvPr id="1026" name="Picture 2" descr="ë´ ì¼ë¬ì¤í¸ì ëí ì´ë¯¸ì§ ê²ìê²°ê³¼"/>
-          <p:cNvPicPr>
-            <a:picLocks noChangeAspect="1" noChangeArrowheads="1"/>
-          </p:cNvPicPr>
-          <p:nvPr/>
-        </p:nvPicPr>
-        <p:blipFill rotWithShape="1">
-          <a:blip r:embed="rId2">
-            <a:extLst>
-              <a:ext uri="{28A0092B-C50C-407E-A947-70E740481C1C}">
-                <a14:useLocalDpi xmlns:a14="http://schemas.microsoft.com/office/drawing/2010/main" val="0"/>
-              </a:ext>
-            </a:extLst>
-          </a:blip>
-          <a:srcRect b="5316"/>
-          <a:stretch/>
-        </p:blipFill>
-        <p:spPr bwMode="auto">
-          <a:xfrm>
-            <a:off x="1190625" y="2096592"/>
-            <a:ext cx="6648450" cy="3732708"/>
-          </a:xfrm>
-          <a:prstGeom prst="rect">
-            <a:avLst/>
-          </a:prstGeom>
-          <a:noFill/>
-          <a:extLst>
-            <a:ext uri="{909E8E84-426E-40DD-AFC4-6F175D3DCCD1}">
-              <a14:hiddenFill xmlns:a14="http://schemas.microsoft.com/office/drawing/2010/main">
-                <a:solidFill>
-                  <a:srgbClr val="FFFFFF"/>
-                </a:solidFill>
-              </a14:hiddenFill>
-            </a:ext>
-          </a:extLst>
-        </p:spPr>
-      </p:pic>
-      <p:sp>
-        <p:nvSpPr>
-          <p:cNvPr id="23" name="TextBox 22"/>
+          <p:cNvPr id="14" name="TextBox 13"/>
           <p:cNvSpPr txBox="1"/>
           <p:nvPr/>
         </p:nvSpPr>
         <p:spPr>
           <a:xfrm>
             <a:off x="0" y="10742"/>
-            <a:ext cx="6898042" cy="338554"/>
+            <a:ext cx="5480988" cy="338554"/>
           </a:xfrm>
           <a:prstGeom prst="rect">
             <a:avLst/>
@@ -3148,133 +3069,131 @@
           <a:p>
             <a:r>
               <a:rPr lang="ko-KR" altLang="en-US" sz="1600" dirty="0" smtClean="0"/>
-              <a:t>화사한 봄 꽃밭을 배경으로 고양이 </a:t>
-            </a:r>
-            <a:r>
-              <a:rPr lang="en-US" altLang="ko-KR" sz="1600" dirty="0" smtClean="0"/>
-              <a:t>3</a:t>
-            </a:r>
-            <a:r>
-              <a:rPr lang="ko-KR" altLang="en-US" sz="1600" smtClean="0"/>
-              <a:t>남매가 날아가는 나비들을 보고 있다</a:t>
-            </a:r>
-            <a:r>
-              <a:rPr lang="en-US" altLang="ko-KR" sz="1600" dirty="0" smtClean="0"/>
-              <a:t>.</a:t>
-            </a:r>
-            <a:endParaRPr lang="en-US" altLang="ko-KR" sz="1600" dirty="0" smtClean="0"/>
-          </a:p>
-        </p:txBody>
-      </p:sp>
-      <p:cxnSp>
-        <p:nvCxnSpPr>
-          <p:cNvPr id="25" name="직선 화살표 연결선 24"/>
-          <p:cNvCxnSpPr>
-            <a:stCxn id="42" idx="1"/>
-          </p:cNvCxnSpPr>
-          <p:nvPr/>
-        </p:nvCxnSpPr>
-        <p:spPr>
-          <a:xfrm flipH="1" flipV="1">
-            <a:off x="7646650" y="2795798"/>
-            <a:ext cx="1000434" cy="258618"/>
-          </a:xfrm>
-          <a:prstGeom prst="straightConnector1">
-            <a:avLst/>
-          </a:prstGeom>
-          <a:ln>
-            <a:solidFill>
-              <a:srgbClr val="FF0000"/>
-            </a:solidFill>
-            <a:tailEnd type="triangle"/>
-          </a:ln>
-        </p:spPr>
-        <p:style>
-          <a:lnRef idx="2">
-            <a:schemeClr val="accent2"/>
-          </a:lnRef>
-          <a:fillRef idx="1">
-            <a:schemeClr val="lt1"/>
-          </a:fillRef>
-          <a:effectRef idx="0">
-            <a:schemeClr val="accent2"/>
-          </a:effectRef>
-          <a:fontRef idx="minor">
-            <a:schemeClr val="dk1"/>
-          </a:fontRef>
-        </p:style>
-      </p:cxnSp>
-      <p:sp>
-        <p:nvSpPr>
-          <p:cNvPr id="42" name="TextBox 41"/>
-          <p:cNvSpPr txBox="1"/>
-          <p:nvPr/>
-        </p:nvSpPr>
-        <p:spPr>
-          <a:xfrm>
-            <a:off x="8647084" y="2923611"/>
-            <a:ext cx="2287616" cy="261610"/>
-          </a:xfrm>
-          <a:prstGeom prst="rect">
-            <a:avLst/>
-          </a:prstGeom>
-          <a:ln>
-            <a:solidFill>
-              <a:srgbClr val="FF0000"/>
-            </a:solidFill>
-          </a:ln>
-        </p:spPr>
-        <p:style>
-          <a:lnRef idx="2">
-            <a:schemeClr val="accent2"/>
-          </a:lnRef>
-          <a:fillRef idx="1">
-            <a:schemeClr val="lt1"/>
-          </a:fillRef>
-          <a:effectRef idx="0">
-            <a:schemeClr val="accent2"/>
-          </a:effectRef>
-          <a:fontRef idx="minor">
-            <a:schemeClr val="dk1"/>
-          </a:fontRef>
-        </p:style>
-        <p:txBody>
-          <a:bodyPr wrap="square" rtlCol="0">
-            <a:spAutoFit/>
-          </a:bodyPr>
-          <a:lstStyle/>
-          <a:p>
-            <a:r>
-              <a:rPr lang="ko-KR" altLang="en-US" sz="1100" dirty="0" smtClean="0"/>
-              <a:t>각 고양이 이름을 손 글씨로 표시</a:t>
-            </a:r>
-            <a:endParaRPr lang="en-US" altLang="ko-KR" sz="1100" dirty="0" smtClean="0"/>
+              <a:t>밤하늘 은하수를 따라 양이 무리를 지어 여행을 하는 </a:t>
+            </a:r>
+            <a:r>
+              <a:rPr lang="ko-KR" altLang="en-US" sz="1600" dirty="0" err="1" smtClean="0"/>
+              <a:t>컨셉</a:t>
+            </a:r>
+            <a:endParaRPr lang="en-US" altLang="ko-KR" sz="1600" dirty="0"/>
           </a:p>
         </p:txBody>
       </p:sp>
       <p:grpSp>
         <p:nvGrpSpPr>
-          <p:cNvPr id="9" name="그룹 8"/>
+          <p:cNvPr id="12" name="그룹 11"/>
           <p:cNvGrpSpPr/>
           <p:nvPr/>
         </p:nvGrpSpPr>
         <p:grpSpPr>
           <a:xfrm>
-            <a:off x="3585312" y="2800315"/>
-            <a:ext cx="4505172" cy="3181534"/>
-            <a:chOff x="3809838" y="1459887"/>
-            <a:chExt cx="5451258" cy="3849656"/>
+            <a:off x="1594537" y="1020694"/>
+            <a:ext cx="8185750" cy="4850351"/>
+            <a:chOff x="1594537" y="1020694"/>
+            <a:chExt cx="8185750" cy="4850351"/>
           </a:xfrm>
         </p:grpSpPr>
+        <p:sp>
+          <p:nvSpPr>
+            <p:cNvPr id="3" name="직사각형 2"/>
+            <p:cNvSpPr/>
+            <p:nvPr/>
+          </p:nvSpPr>
+          <p:spPr>
+            <a:xfrm>
+              <a:off x="1594538" y="1025628"/>
+              <a:ext cx="8185749" cy="4835349"/>
+            </a:xfrm>
+            <a:prstGeom prst="rect">
+              <a:avLst/>
+            </a:prstGeom>
+            <a:solidFill>
+              <a:schemeClr val="accent6">
+                <a:lumMod val="60000"/>
+                <a:lumOff val="40000"/>
+              </a:schemeClr>
+            </a:solidFill>
+            <a:ln>
+              <a:solidFill>
+                <a:schemeClr val="tx1"/>
+              </a:solidFill>
+            </a:ln>
+          </p:spPr>
+          <p:style>
+            <a:lnRef idx="2">
+              <a:schemeClr val="accent1">
+                <a:shade val="50000"/>
+              </a:schemeClr>
+            </a:lnRef>
+            <a:fillRef idx="1">
+              <a:schemeClr val="accent1"/>
+            </a:fillRef>
+            <a:effectRef idx="0">
+              <a:schemeClr val="accent1"/>
+            </a:effectRef>
+            <a:fontRef idx="minor">
+              <a:schemeClr val="lt1"/>
+            </a:fontRef>
+          </p:style>
+          <p:txBody>
+            <a:bodyPr rtlCol="0" anchor="ctr"/>
+            <a:lstStyle/>
+            <a:p>
+              <a:pPr algn="ctr"/>
+              <a:endParaRPr lang="ko-KR" altLang="en-US"/>
+            </a:p>
+          </p:txBody>
+        </p:sp>
         <p:pic>
           <p:nvPicPr>
-            <p:cNvPr id="4" name="그림 3"/>
+            <p:cNvPr id="2050" name="Picture 2" descr="ìíìì ëí ì´ë¯¸ì§ ê²ìê²°ê³¼"/>
             <p:cNvPicPr>
-              <a:picLocks noChangeAspect="1"/>
+              <a:picLocks noChangeAspect="1" noChangeArrowheads="1"/>
             </p:cNvPicPr>
             <p:nvPr/>
           </p:nvPicPr>
           <p:blipFill>
+            <a:blip r:embed="rId2">
+              <a:extLst>
+                <a:ext uri="{28A0092B-C50C-407E-A947-70E740481C1C}">
+                  <a14:useLocalDpi xmlns:a14="http://schemas.microsoft.com/office/drawing/2010/main" val="0"/>
+                </a:ext>
+              </a:extLst>
+            </a:blip>
+            <a:srcRect/>
+            <a:stretch>
+              <a:fillRect/>
+            </a:stretch>
+          </p:blipFill>
+          <p:spPr bwMode="auto">
+            <a:xfrm>
+              <a:off x="1594537" y="1020694"/>
+              <a:ext cx="8185750" cy="4850351"/>
+            </a:xfrm>
+            <a:prstGeom prst="rect">
+              <a:avLst/>
+            </a:prstGeom>
+            <a:noFill/>
+            <a:extLst>
+              <a:ext uri="{909E8E84-426E-40DD-AFC4-6F175D3DCCD1}">
+                <a14:hiddenFill xmlns:a14="http://schemas.microsoft.com/office/drawing/2010/main">
+                  <a:solidFill>
+                    <a:srgbClr val="FFFFFF"/>
+                  </a:solidFill>
+                </a14:hiddenFill>
+              </a:ext>
+            </a:extLst>
+          </p:spPr>
+        </p:pic>
+        <p:pic>
+          <p:nvPicPr>
+            <p:cNvPr id="2052" name="Picture 4" descr="milky way illustrationì ëí ì´ë¯¸ì§ ê²ìê²°ê³¼"/>
+            <p:cNvPicPr>
+              <a:picLocks noChangeAspect="1" noChangeArrowheads="1"/>
+            </p:cNvPicPr>
+            <p:nvPr/>
+          </p:nvPicPr>
+          <p:blipFill rotWithShape="1">
             <a:blip r:embed="rId3">
               <a:extLst>
                 <a:ext uri="{28A0092B-C50C-407E-A947-70E740481C1C}">
@@ -3282,14 +3201,148 @@
                 </a:ext>
               </a:extLst>
             </a:blip>
-            <a:stretch>
-              <a:fillRect/>
-            </a:stretch>
+            <a:srcRect b="5297"/>
+            <a:stretch/>
+          </p:blipFill>
+          <p:spPr bwMode="auto">
+            <a:xfrm>
+              <a:off x="1594537" y="1020695"/>
+              <a:ext cx="8179627" cy="4837180"/>
+            </a:xfrm>
+            <a:prstGeom prst="rect">
+              <a:avLst/>
+            </a:prstGeom>
+            <a:noFill/>
+            <a:extLst>
+              <a:ext uri="{909E8E84-426E-40DD-AFC4-6F175D3DCCD1}">
+                <a14:hiddenFill xmlns:a14="http://schemas.microsoft.com/office/drawing/2010/main">
+                  <a:solidFill>
+                    <a:srgbClr val="FFFFFF"/>
+                  </a:solidFill>
+                </a14:hiddenFill>
+              </a:ext>
+            </a:extLst>
+          </p:spPr>
+        </p:pic>
+        <p:sp>
+          <p:nvSpPr>
+            <p:cNvPr id="8" name="TextBox 7"/>
+            <p:cNvSpPr txBox="1"/>
+            <p:nvPr/>
+          </p:nvSpPr>
+          <p:spPr>
+            <a:xfrm>
+              <a:off x="3191166" y="3860610"/>
+              <a:ext cx="3876382" cy="1323439"/>
+            </a:xfrm>
+            <a:prstGeom prst="rect">
+              <a:avLst/>
+            </a:prstGeom>
+            <a:noFill/>
+          </p:spPr>
+          <p:txBody>
+            <a:bodyPr wrap="none" rtlCol="0">
+              <a:spAutoFit/>
+            </a:bodyPr>
+            <a:lstStyle/>
+            <a:p>
+              <a:r>
+                <a:rPr lang="ko-KR" altLang="en-US" sz="4000" b="1" dirty="0" err="1" smtClean="0">
+                  <a:ln>
+                    <a:solidFill>
+                      <a:schemeClr val="tx1"/>
+                    </a:solidFill>
+                  </a:ln>
+                  <a:solidFill>
+                    <a:srgbClr val="FBBDE0"/>
+                  </a:solidFill>
+                  <a:latin typeface="HY엽서M" panose="02030600000101010101" pitchFamily="18" charset="-127"/>
+                  <a:ea typeface="HY엽서M" panose="02030600000101010101" pitchFamily="18" charset="-127"/>
+                </a:rPr>
+                <a:t>폼폼과</a:t>
+              </a:r>
+              <a:r>
+                <a:rPr lang="ko-KR" altLang="en-US" sz="4000" b="1" dirty="0" smtClean="0">
+                  <a:ln>
+                    <a:solidFill>
+                      <a:schemeClr val="tx1"/>
+                    </a:solidFill>
+                  </a:ln>
+                  <a:solidFill>
+                    <a:srgbClr val="FBBDE0"/>
+                  </a:solidFill>
+                  <a:latin typeface="HY엽서M" panose="02030600000101010101" pitchFamily="18" charset="-127"/>
+                  <a:ea typeface="HY엽서M" panose="02030600000101010101" pitchFamily="18" charset="-127"/>
+                </a:rPr>
+                <a:t> 함께하는</a:t>
+              </a:r>
+              <a:endParaRPr lang="en-US" altLang="ko-KR" sz="4000" b="1" dirty="0" smtClean="0">
+                <a:ln>
+                  <a:solidFill>
+                    <a:schemeClr val="tx1"/>
+                  </a:solidFill>
+                </a:ln>
+                <a:solidFill>
+                  <a:srgbClr val="FBBDE0"/>
+                </a:solidFill>
+                <a:latin typeface="HY엽서M" panose="02030600000101010101" pitchFamily="18" charset="-127"/>
+                <a:ea typeface="HY엽서M" panose="02030600000101010101" pitchFamily="18" charset="-127"/>
+              </a:endParaRPr>
+            </a:p>
+            <a:p>
+              <a:r>
+                <a:rPr lang="ko-KR" altLang="en-US" sz="4000" b="1" dirty="0" smtClean="0">
+                  <a:ln>
+                    <a:solidFill>
+                      <a:schemeClr val="tx1"/>
+                    </a:solidFill>
+                  </a:ln>
+                  <a:solidFill>
+                    <a:srgbClr val="FBBDE0"/>
+                  </a:solidFill>
+                  <a:latin typeface="HY엽서M" panose="02030600000101010101" pitchFamily="18" charset="-127"/>
+                  <a:ea typeface="HY엽서M" panose="02030600000101010101" pitchFamily="18" charset="-127"/>
+                </a:rPr>
+                <a:t>은하수 여행</a:t>
+              </a:r>
+              <a:endParaRPr lang="en-US" altLang="ko-KR" sz="4000" b="1" dirty="0" smtClean="0">
+                <a:ln>
+                  <a:solidFill>
+                    <a:schemeClr val="tx1"/>
+                  </a:solidFill>
+                </a:ln>
+                <a:solidFill>
+                  <a:srgbClr val="FBBDE0"/>
+                </a:solidFill>
+                <a:latin typeface="HY엽서M" panose="02030600000101010101" pitchFamily="18" charset="-127"/>
+                <a:ea typeface="HY엽서M" panose="02030600000101010101" pitchFamily="18" charset="-127"/>
+              </a:endParaRPr>
+            </a:p>
+          </p:txBody>
+        </p:sp>
+        <p:pic>
+          <p:nvPicPr>
+            <p:cNvPr id="15" name="그림 14"/>
+            <p:cNvPicPr>
+              <a:picLocks noChangeAspect="1"/>
+            </p:cNvPicPr>
+            <p:nvPr/>
+          </p:nvPicPr>
+          <p:blipFill rotWithShape="1">
+            <a:blip r:embed="rId4">
+              <a:extLst>
+                <a:ext uri="{28A0092B-C50C-407E-A947-70E740481C1C}">
+                  <a14:useLocalDpi xmlns:a14="http://schemas.microsoft.com/office/drawing/2010/main" val="0"/>
+                </a:ext>
+              </a:extLst>
+            </a:blip>
+            <a:srcRect l="41905" t="9343" r="8581" b="31041"/>
+            <a:stretch/>
           </p:blipFill>
           <p:spPr>
-            <a:xfrm>
-              <a:off x="5884582" y="1459887"/>
-              <a:ext cx="3376514" cy="3849656"/>
+            <a:xfrm rot="20469217" flipH="1">
+              <a:off x="2231521" y="2969492"/>
+              <a:ext cx="1095952" cy="1083386"/>
             </a:xfrm>
             <a:prstGeom prst="rect">
               <a:avLst/>
@@ -3298,28 +3351,27 @@
         </p:pic>
         <p:pic>
           <p:nvPicPr>
-            <p:cNvPr id="2" name="그림 1"/>
+            <p:cNvPr id="20" name="그림 19"/>
             <p:cNvPicPr>
               <a:picLocks noChangeAspect="1"/>
             </p:cNvPicPr>
             <p:nvPr/>
           </p:nvPicPr>
-          <p:blipFill>
-            <a:blip r:embed="rId4" cstate="print">
+          <p:blipFill rotWithShape="1">
+            <a:blip r:embed="rId4">
               <a:extLst>
                 <a:ext uri="{28A0092B-C50C-407E-A947-70E740481C1C}">
                   <a14:useLocalDpi xmlns:a14="http://schemas.microsoft.com/office/drawing/2010/main" val="0"/>
                 </a:ext>
               </a:extLst>
             </a:blip>
-            <a:stretch>
-              <a:fillRect/>
-            </a:stretch>
+            <a:srcRect l="41905" t="9343" r="8581" b="31041"/>
+            <a:stretch/>
           </p:blipFill>
           <p:spPr>
-            <a:xfrm>
-              <a:off x="3809838" y="1832068"/>
-              <a:ext cx="2790507" cy="3181534"/>
+            <a:xfrm rot="1301291" flipH="1">
+              <a:off x="6167522" y="2263639"/>
+              <a:ext cx="1095952" cy="1083386"/>
             </a:xfrm>
             <a:prstGeom prst="rect">
               <a:avLst/>
@@ -3328,7 +3380,7 @@
         </p:pic>
         <p:pic>
           <p:nvPicPr>
-            <p:cNvPr id="5" name="그림 4"/>
+            <p:cNvPr id="21" name="그림 20"/>
             <p:cNvPicPr>
               <a:picLocks noChangeAspect="1"/>
             </p:cNvPicPr>
@@ -3342,13 +3394,100 @@
                 </a:ext>
               </a:extLst>
             </a:blip>
-            <a:srcRect l="20542" t="21090" r="27867" b="30667"/>
+            <a:srcRect l="21312" t="12151" r="14696" b="22074"/>
             <a:stretch/>
           </p:blipFill>
           <p:spPr>
-            <a:xfrm>
-              <a:off x="5158227" y="2417308"/>
-              <a:ext cx="2550496" cy="2719176"/>
+            <a:xfrm rot="169834" flipH="1">
+              <a:off x="7274079" y="2220205"/>
+              <a:ext cx="2248267" cy="2667555"/>
+            </a:xfrm>
+            <a:prstGeom prst="rect">
+              <a:avLst/>
+            </a:prstGeom>
+          </p:spPr>
+        </p:pic>
+        <p:pic>
+          <p:nvPicPr>
+            <p:cNvPr id="22" name="그림 21"/>
+            <p:cNvPicPr>
+              <a:picLocks noChangeAspect="1"/>
+            </p:cNvPicPr>
+            <p:nvPr/>
+          </p:nvPicPr>
+          <p:blipFill rotWithShape="1">
+            <a:blip r:embed="rId6">
+              <a:extLst>
+                <a:ext uri="{28A0092B-C50C-407E-A947-70E740481C1C}">
+                  <a14:useLocalDpi xmlns:a14="http://schemas.microsoft.com/office/drawing/2010/main" val="0"/>
+                </a:ext>
+              </a:extLst>
+            </a:blip>
+            <a:srcRect l="14065" t="10577" r="20092" b="27140"/>
+            <a:stretch/>
+          </p:blipFill>
+          <p:spPr>
+            <a:xfrm rot="1030348" flipH="1">
+              <a:off x="5023376" y="2340662"/>
+              <a:ext cx="1329631" cy="1451814"/>
+            </a:xfrm>
+            <a:prstGeom prst="rect">
+              <a:avLst/>
+            </a:prstGeom>
+          </p:spPr>
+        </p:pic>
+        <p:pic>
+          <p:nvPicPr>
+            <p:cNvPr id="23" name="그림 22"/>
+            <p:cNvPicPr>
+              <a:picLocks noChangeAspect="1"/>
+            </p:cNvPicPr>
+            <p:nvPr/>
+          </p:nvPicPr>
+          <p:blipFill rotWithShape="1">
+            <a:blip r:embed="rId6">
+              <a:extLst>
+                <a:ext uri="{28A0092B-C50C-407E-A947-70E740481C1C}">
+                  <a14:useLocalDpi xmlns:a14="http://schemas.microsoft.com/office/drawing/2010/main" val="0"/>
+                </a:ext>
+              </a:extLst>
+            </a:blip>
+            <a:srcRect l="14065" t="10577" r="20092" b="27140"/>
+            <a:stretch/>
+          </p:blipFill>
+          <p:spPr>
+            <a:xfrm flipH="1">
+              <a:off x="3991619" y="1986407"/>
+              <a:ext cx="1329631" cy="1451814"/>
+            </a:xfrm>
+            <a:prstGeom prst="rect">
+              <a:avLst/>
+            </a:prstGeom>
+          </p:spPr>
+        </p:pic>
+        <p:pic>
+          <p:nvPicPr>
+            <p:cNvPr id="24" name="그림 23"/>
+            <p:cNvPicPr>
+              <a:picLocks noChangeAspect="1"/>
+            </p:cNvPicPr>
+            <p:nvPr/>
+          </p:nvPicPr>
+          <p:blipFill rotWithShape="1">
+            <a:blip r:embed="rId6">
+              <a:extLst>
+                <a:ext uri="{28A0092B-C50C-407E-A947-70E740481C1C}">
+                  <a14:useLocalDpi xmlns:a14="http://schemas.microsoft.com/office/drawing/2010/main" val="0"/>
+                </a:ext>
+              </a:extLst>
+            </a:blip>
+            <a:srcRect l="14065" t="10577" r="20092" b="27140"/>
+            <a:stretch/>
+          </p:blipFill>
+          <p:spPr>
+            <a:xfrm rot="20849613" flipH="1">
+              <a:off x="2891331" y="2155889"/>
+              <a:ext cx="1329631" cy="1451814"/>
             </a:xfrm>
             <a:prstGeom prst="rect">
               <a:avLst/>
@@ -3358,947 +3497,14 @@
       </p:grpSp>
       <p:sp>
         <p:nvSpPr>
-          <p:cNvPr id="29" name="TextBox 28"/>
+          <p:cNvPr id="26" name="TextBox 25"/>
           <p:cNvSpPr txBox="1"/>
           <p:nvPr/>
         </p:nvSpPr>
         <p:spPr>
           <a:xfrm>
-            <a:off x="1178509" y="5609327"/>
-            <a:ext cx="6167073" cy="230832"/>
-          </a:xfrm>
-          <a:prstGeom prst="rect">
-            <a:avLst/>
-          </a:prstGeom>
-        </p:spPr>
-        <p:style>
-          <a:lnRef idx="2">
-            <a:schemeClr val="accent6"/>
-          </a:lnRef>
-          <a:fillRef idx="1">
-            <a:schemeClr val="lt1"/>
-          </a:fillRef>
-          <a:effectRef idx="0">
-            <a:schemeClr val="accent6"/>
-          </a:effectRef>
-          <a:fontRef idx="minor">
-            <a:schemeClr val="dk1"/>
-          </a:fontRef>
-        </p:style>
-        <p:txBody>
-          <a:bodyPr wrap="none" rtlCol="0">
-            <a:spAutoFit/>
-          </a:bodyPr>
-          <a:lstStyle/>
-          <a:p>
-            <a:r>
-              <a:rPr lang="en-US" altLang="ko-KR" sz="900" dirty="0"/>
-              <a:t>5</a:t>
-            </a:r>
-            <a:r>
-              <a:rPr lang="ko-KR" altLang="en-US" sz="900" smtClean="0"/>
-              <a:t>월 </a:t>
-            </a:r>
-            <a:r>
-              <a:rPr lang="en-US" altLang="ko-KR" sz="900" dirty="0"/>
-              <a:t>3</a:t>
-            </a:r>
-            <a:r>
-              <a:rPr lang="ko-KR" altLang="en-US" sz="900" smtClean="0"/>
-              <a:t>일 </a:t>
-            </a:r>
-            <a:r>
-              <a:rPr lang="ko-KR" altLang="en-US" sz="900" dirty="0"/>
-              <a:t>점검 후부터 </a:t>
-            </a:r>
-            <a:r>
-              <a:rPr lang="en-US" altLang="ko-KR" sz="900" dirty="0" smtClean="0"/>
-              <a:t>2018</a:t>
-            </a:r>
-            <a:r>
-              <a:rPr lang="ko-KR" altLang="en-US" sz="900" smtClean="0"/>
-              <a:t>년 </a:t>
-            </a:r>
-            <a:r>
-              <a:rPr lang="en-US" altLang="ko-KR" sz="900" dirty="0"/>
-              <a:t>6</a:t>
-            </a:r>
-            <a:r>
-              <a:rPr lang="ko-KR" altLang="en-US" sz="900" smtClean="0"/>
-              <a:t>월 </a:t>
-            </a:r>
-            <a:r>
-              <a:rPr lang="en-US" altLang="ko-KR" sz="900" dirty="0" smtClean="0"/>
-              <a:t>7</a:t>
-            </a:r>
-            <a:r>
-              <a:rPr lang="ko-KR" altLang="en-US" sz="900" smtClean="0"/>
-              <a:t>일 </a:t>
-            </a:r>
-            <a:r>
-              <a:rPr lang="ko-KR" altLang="en-US" sz="900" dirty="0"/>
-              <a:t>점검 </a:t>
-            </a:r>
-            <a:r>
-              <a:rPr lang="ko-KR" altLang="en-US" sz="900"/>
-              <a:t>전까지 </a:t>
-            </a:r>
-            <a:r>
-              <a:rPr lang="ko-KR" altLang="en-US" sz="900" smtClean="0"/>
-              <a:t>냥이 남매 루루</a:t>
-            </a:r>
-            <a:r>
-              <a:rPr lang="en-US" altLang="ko-KR" sz="900" dirty="0" smtClean="0"/>
-              <a:t>, </a:t>
-            </a:r>
-            <a:r>
-              <a:rPr lang="ko-KR" altLang="en-US" sz="900" smtClean="0"/>
-              <a:t>루아</a:t>
-            </a:r>
-            <a:r>
-              <a:rPr lang="en-US" altLang="ko-KR" sz="900" dirty="0" smtClean="0"/>
-              <a:t>, </a:t>
-            </a:r>
-            <a:r>
-              <a:rPr lang="ko-KR" altLang="en-US" sz="900" smtClean="0"/>
-              <a:t>루이 </a:t>
-            </a:r>
-            <a:r>
-              <a:rPr lang="ko-KR" altLang="en-US" sz="900" smtClean="0"/>
-              <a:t>를 </a:t>
-            </a:r>
-            <a:r>
-              <a:rPr lang="en-US" altLang="ko-KR" sz="900" dirty="0"/>
-              <a:t>‘</a:t>
-            </a:r>
-            <a:r>
-              <a:rPr lang="ko-KR" altLang="en-US" sz="900" dirty="0" err="1"/>
-              <a:t>캡슐머신</a:t>
-            </a:r>
-            <a:r>
-              <a:rPr lang="en-US" altLang="ko-KR" sz="900" dirty="0"/>
-              <a:t>’</a:t>
-            </a:r>
-            <a:r>
-              <a:rPr lang="ko-KR" altLang="en-US" sz="900" dirty="0"/>
-              <a:t>에서 획득할 수 있습니다</a:t>
-            </a:r>
-            <a:r>
-              <a:rPr lang="en-US" altLang="ko-KR" sz="900" dirty="0"/>
-              <a:t>.</a:t>
-            </a:r>
-            <a:endParaRPr lang="ko-KR" altLang="en-US" sz="900" dirty="0"/>
-          </a:p>
-        </p:txBody>
-      </p:sp>
-      <p:grpSp>
-        <p:nvGrpSpPr>
-          <p:cNvPr id="15" name="그룹 14"/>
-          <p:cNvGrpSpPr/>
-          <p:nvPr/>
-        </p:nvGrpSpPr>
-        <p:grpSpPr>
-          <a:xfrm>
-            <a:off x="4864266" y="2162948"/>
-            <a:ext cx="1217405" cy="1327426"/>
-            <a:chOff x="5959641" y="962798"/>
-            <a:chExt cx="1217405" cy="1327426"/>
-          </a:xfrm>
-        </p:grpSpPr>
-        <p:grpSp>
-          <p:nvGrpSpPr>
-            <p:cNvPr id="13" name="그룹 12"/>
-            <p:cNvGrpSpPr/>
-            <p:nvPr/>
-          </p:nvGrpSpPr>
-          <p:grpSpPr>
-            <a:xfrm>
-              <a:off x="5959641" y="962798"/>
-              <a:ext cx="591344" cy="589777"/>
-              <a:chOff x="33238" y="2400300"/>
-              <a:chExt cx="1833661" cy="1828800"/>
-            </a:xfrm>
-          </p:grpSpPr>
-          <p:sp>
-            <p:nvSpPr>
-              <p:cNvPr id="12" name="직각 삼각형 11"/>
-              <p:cNvSpPr/>
-              <p:nvPr/>
-            </p:nvSpPr>
-            <p:spPr>
-              <a:xfrm>
-                <a:off x="952499" y="2400300"/>
-                <a:ext cx="914400" cy="914400"/>
-              </a:xfrm>
-              <a:prstGeom prst="rtTriangle">
-                <a:avLst/>
-              </a:prstGeom>
-              <a:ln>
-                <a:noFill/>
-              </a:ln>
-            </p:spPr>
-            <p:style>
-              <a:lnRef idx="2">
-                <a:schemeClr val="accent4">
-                  <a:shade val="50000"/>
-                </a:schemeClr>
-              </a:lnRef>
-              <a:fillRef idx="1">
-                <a:schemeClr val="accent4"/>
-              </a:fillRef>
-              <a:effectRef idx="0">
-                <a:schemeClr val="accent4"/>
-              </a:effectRef>
-              <a:fontRef idx="minor">
-                <a:schemeClr val="lt1"/>
-              </a:fontRef>
-            </p:style>
-            <p:txBody>
-              <a:bodyPr rtlCol="0" anchor="ctr"/>
-              <a:lstStyle/>
-              <a:p>
-                <a:pPr algn="ctr"/>
-                <a:endParaRPr lang="ko-KR" altLang="en-US"/>
-              </a:p>
-            </p:txBody>
-          </p:sp>
-          <p:sp>
-            <p:nvSpPr>
-              <p:cNvPr id="28" name="직각 삼각형 27"/>
-              <p:cNvSpPr/>
-              <p:nvPr/>
-            </p:nvSpPr>
-            <p:spPr>
-              <a:xfrm rot="10800000">
-                <a:off x="33238" y="3314700"/>
-                <a:ext cx="914400" cy="914400"/>
-              </a:xfrm>
-              <a:prstGeom prst="rtTriangle">
-                <a:avLst/>
-              </a:prstGeom>
-              <a:ln>
-                <a:noFill/>
-              </a:ln>
-            </p:spPr>
-            <p:style>
-              <a:lnRef idx="2">
-                <a:schemeClr val="accent4">
-                  <a:shade val="50000"/>
-                </a:schemeClr>
-              </a:lnRef>
-              <a:fillRef idx="1">
-                <a:schemeClr val="accent4"/>
-              </a:fillRef>
-              <a:effectRef idx="0">
-                <a:schemeClr val="accent4"/>
-              </a:effectRef>
-              <a:fontRef idx="minor">
-                <a:schemeClr val="lt1"/>
-              </a:fontRef>
-            </p:style>
-            <p:txBody>
-              <a:bodyPr rtlCol="0" anchor="ctr"/>
-              <a:lstStyle/>
-              <a:p>
-                <a:pPr algn="ctr"/>
-                <a:endParaRPr lang="ko-KR" altLang="en-US"/>
-              </a:p>
-            </p:txBody>
-          </p:sp>
-        </p:grpSp>
-        <p:grpSp>
-          <p:nvGrpSpPr>
-            <p:cNvPr id="30" name="그룹 29"/>
-            <p:cNvGrpSpPr/>
-            <p:nvPr/>
-          </p:nvGrpSpPr>
-          <p:grpSpPr>
-            <a:xfrm>
-              <a:off x="6577508" y="1108227"/>
-              <a:ext cx="488714" cy="487419"/>
-              <a:chOff x="33238" y="2400300"/>
-              <a:chExt cx="1833661" cy="1828800"/>
-            </a:xfrm>
-          </p:grpSpPr>
-          <p:sp>
-            <p:nvSpPr>
-              <p:cNvPr id="31" name="직각 삼각형 30"/>
-              <p:cNvSpPr/>
-              <p:nvPr/>
-            </p:nvSpPr>
-            <p:spPr>
-              <a:xfrm>
-                <a:off x="952499" y="2400300"/>
-                <a:ext cx="914400" cy="914400"/>
-              </a:xfrm>
-              <a:prstGeom prst="rtTriangle">
-                <a:avLst/>
-              </a:prstGeom>
-              <a:ln>
-                <a:noFill/>
-              </a:ln>
-            </p:spPr>
-            <p:style>
-              <a:lnRef idx="2">
-                <a:schemeClr val="accent4">
-                  <a:shade val="50000"/>
-                </a:schemeClr>
-              </a:lnRef>
-              <a:fillRef idx="1">
-                <a:schemeClr val="accent4"/>
-              </a:fillRef>
-              <a:effectRef idx="0">
-                <a:schemeClr val="accent4"/>
-              </a:effectRef>
-              <a:fontRef idx="minor">
-                <a:schemeClr val="lt1"/>
-              </a:fontRef>
-            </p:style>
-            <p:txBody>
-              <a:bodyPr rtlCol="0" anchor="ctr"/>
-              <a:lstStyle/>
-              <a:p>
-                <a:pPr algn="ctr"/>
-                <a:endParaRPr lang="ko-KR" altLang="en-US"/>
-              </a:p>
-            </p:txBody>
-          </p:sp>
-          <p:sp>
-            <p:nvSpPr>
-              <p:cNvPr id="32" name="직각 삼각형 31"/>
-              <p:cNvSpPr/>
-              <p:nvPr/>
-            </p:nvSpPr>
-            <p:spPr>
-              <a:xfrm rot="10800000">
-                <a:off x="33238" y="3314700"/>
-                <a:ext cx="914400" cy="914400"/>
-              </a:xfrm>
-              <a:prstGeom prst="rtTriangle">
-                <a:avLst/>
-              </a:prstGeom>
-              <a:ln>
-                <a:noFill/>
-              </a:ln>
-            </p:spPr>
-            <p:style>
-              <a:lnRef idx="2">
-                <a:schemeClr val="accent4">
-                  <a:shade val="50000"/>
-                </a:schemeClr>
-              </a:lnRef>
-              <a:fillRef idx="1">
-                <a:schemeClr val="accent4"/>
-              </a:fillRef>
-              <a:effectRef idx="0">
-                <a:schemeClr val="accent4"/>
-              </a:effectRef>
-              <a:fontRef idx="minor">
-                <a:schemeClr val="lt1"/>
-              </a:fontRef>
-            </p:style>
-            <p:txBody>
-              <a:bodyPr rtlCol="0" anchor="ctr"/>
-              <a:lstStyle/>
-              <a:p>
-                <a:pPr algn="ctr"/>
-                <a:endParaRPr lang="ko-KR" altLang="en-US"/>
-              </a:p>
-            </p:txBody>
-          </p:sp>
-        </p:grpSp>
-        <p:grpSp>
-          <p:nvGrpSpPr>
-            <p:cNvPr id="33" name="그룹 32"/>
-            <p:cNvGrpSpPr/>
-            <p:nvPr/>
-          </p:nvGrpSpPr>
-          <p:grpSpPr>
-            <a:xfrm>
-              <a:off x="6403541" y="1734002"/>
-              <a:ext cx="403895" cy="402825"/>
-              <a:chOff x="33238" y="2400300"/>
-              <a:chExt cx="1833661" cy="1828800"/>
-            </a:xfrm>
-          </p:grpSpPr>
-          <p:sp>
-            <p:nvSpPr>
-              <p:cNvPr id="36" name="직각 삼각형 35"/>
-              <p:cNvSpPr/>
-              <p:nvPr/>
-            </p:nvSpPr>
-            <p:spPr>
-              <a:xfrm>
-                <a:off x="952499" y="2400300"/>
-                <a:ext cx="914400" cy="914400"/>
-              </a:xfrm>
-              <a:prstGeom prst="rtTriangle">
-                <a:avLst/>
-              </a:prstGeom>
-              <a:ln>
-                <a:noFill/>
-              </a:ln>
-            </p:spPr>
-            <p:style>
-              <a:lnRef idx="2">
-                <a:schemeClr val="accent4">
-                  <a:shade val="50000"/>
-                </a:schemeClr>
-              </a:lnRef>
-              <a:fillRef idx="1">
-                <a:schemeClr val="accent4"/>
-              </a:fillRef>
-              <a:effectRef idx="0">
-                <a:schemeClr val="accent4"/>
-              </a:effectRef>
-              <a:fontRef idx="minor">
-                <a:schemeClr val="lt1"/>
-              </a:fontRef>
-            </p:style>
-            <p:txBody>
-              <a:bodyPr rtlCol="0" anchor="ctr"/>
-              <a:lstStyle/>
-              <a:p>
-                <a:pPr algn="ctr"/>
-                <a:endParaRPr lang="ko-KR" altLang="en-US"/>
-              </a:p>
-            </p:txBody>
-          </p:sp>
-          <p:sp>
-            <p:nvSpPr>
-              <p:cNvPr id="37" name="직각 삼각형 36"/>
-              <p:cNvSpPr/>
-              <p:nvPr/>
-            </p:nvSpPr>
-            <p:spPr>
-              <a:xfrm rot="10800000">
-                <a:off x="33238" y="3314700"/>
-                <a:ext cx="914400" cy="914400"/>
-              </a:xfrm>
-              <a:prstGeom prst="rtTriangle">
-                <a:avLst/>
-              </a:prstGeom>
-              <a:ln>
-                <a:noFill/>
-              </a:ln>
-            </p:spPr>
-            <p:style>
-              <a:lnRef idx="2">
-                <a:schemeClr val="accent4">
-                  <a:shade val="50000"/>
-                </a:schemeClr>
-              </a:lnRef>
-              <a:fillRef idx="1">
-                <a:schemeClr val="accent4"/>
-              </a:fillRef>
-              <a:effectRef idx="0">
-                <a:schemeClr val="accent4"/>
-              </a:effectRef>
-              <a:fontRef idx="minor">
-                <a:schemeClr val="lt1"/>
-              </a:fontRef>
-            </p:style>
-            <p:txBody>
-              <a:bodyPr rtlCol="0" anchor="ctr"/>
-              <a:lstStyle/>
-              <a:p>
-                <a:pPr algn="ctr"/>
-                <a:endParaRPr lang="ko-KR" altLang="en-US"/>
-              </a:p>
-            </p:txBody>
-          </p:sp>
-        </p:grpSp>
-        <p:sp>
-          <p:nvSpPr>
-            <p:cNvPr id="3" name="자유형 2"/>
-            <p:cNvSpPr/>
-            <p:nvPr/>
-          </p:nvSpPr>
-          <p:spPr>
-            <a:xfrm>
-              <a:off x="6326257" y="1304262"/>
-              <a:ext cx="691763" cy="429371"/>
-            </a:xfrm>
-            <a:custGeom>
-              <a:avLst/>
-              <a:gdLst>
-                <a:gd name="connsiteX0" fmla="*/ 0 w 691763"/>
-                <a:gd name="connsiteY0" fmla="*/ 0 h 429371"/>
-                <a:gd name="connsiteX1" fmla="*/ 71561 w 691763"/>
-                <a:gd name="connsiteY1" fmla="*/ 15903 h 429371"/>
-                <a:gd name="connsiteX2" fmla="*/ 95415 w 691763"/>
-                <a:gd name="connsiteY2" fmla="*/ 31806 h 429371"/>
-                <a:gd name="connsiteX3" fmla="*/ 119269 w 691763"/>
-                <a:gd name="connsiteY3" fmla="*/ 39757 h 429371"/>
-                <a:gd name="connsiteX4" fmla="*/ 190831 w 691763"/>
-                <a:gd name="connsiteY4" fmla="*/ 95416 h 429371"/>
-                <a:gd name="connsiteX5" fmla="*/ 214685 w 691763"/>
-                <a:gd name="connsiteY5" fmla="*/ 166978 h 429371"/>
-                <a:gd name="connsiteX6" fmla="*/ 222636 w 691763"/>
-                <a:gd name="connsiteY6" fmla="*/ 190832 h 429371"/>
-                <a:gd name="connsiteX7" fmla="*/ 230587 w 691763"/>
-                <a:gd name="connsiteY7" fmla="*/ 214686 h 429371"/>
-                <a:gd name="connsiteX8" fmla="*/ 238539 w 691763"/>
-                <a:gd name="connsiteY8" fmla="*/ 246491 h 429371"/>
-                <a:gd name="connsiteX9" fmla="*/ 262393 w 691763"/>
-                <a:gd name="connsiteY9" fmla="*/ 262393 h 429371"/>
-                <a:gd name="connsiteX10" fmla="*/ 302149 w 691763"/>
-                <a:gd name="connsiteY10" fmla="*/ 310101 h 429371"/>
-                <a:gd name="connsiteX11" fmla="*/ 326003 w 691763"/>
-                <a:gd name="connsiteY11" fmla="*/ 326004 h 429371"/>
-                <a:gd name="connsiteX12" fmla="*/ 349857 w 691763"/>
-                <a:gd name="connsiteY12" fmla="*/ 349858 h 429371"/>
-                <a:gd name="connsiteX13" fmla="*/ 397565 w 691763"/>
-                <a:gd name="connsiteY13" fmla="*/ 365760 h 429371"/>
-                <a:gd name="connsiteX14" fmla="*/ 453224 w 691763"/>
-                <a:gd name="connsiteY14" fmla="*/ 389614 h 429371"/>
-                <a:gd name="connsiteX15" fmla="*/ 548640 w 691763"/>
-                <a:gd name="connsiteY15" fmla="*/ 373712 h 429371"/>
-                <a:gd name="connsiteX16" fmla="*/ 644055 w 691763"/>
-                <a:gd name="connsiteY16" fmla="*/ 389614 h 429371"/>
-                <a:gd name="connsiteX17" fmla="*/ 667909 w 691763"/>
-                <a:gd name="connsiteY17" fmla="*/ 405517 h 429371"/>
-                <a:gd name="connsiteX18" fmla="*/ 691763 w 691763"/>
-                <a:gd name="connsiteY18" fmla="*/ 429371 h 429371"/>
-              </a:gdLst>
-              <a:ahLst/>
-              <a:cxnLst>
-                <a:cxn ang="0">
-                  <a:pos x="connsiteX0" y="connsiteY0"/>
-                </a:cxn>
-                <a:cxn ang="0">
-                  <a:pos x="connsiteX1" y="connsiteY1"/>
-                </a:cxn>
-                <a:cxn ang="0">
-                  <a:pos x="connsiteX2" y="connsiteY2"/>
-                </a:cxn>
-                <a:cxn ang="0">
-                  <a:pos x="connsiteX3" y="connsiteY3"/>
-                </a:cxn>
-                <a:cxn ang="0">
-                  <a:pos x="connsiteX4" y="connsiteY4"/>
-                </a:cxn>
-                <a:cxn ang="0">
-                  <a:pos x="connsiteX5" y="connsiteY5"/>
-                </a:cxn>
-                <a:cxn ang="0">
-                  <a:pos x="connsiteX6" y="connsiteY6"/>
-                </a:cxn>
-                <a:cxn ang="0">
-                  <a:pos x="connsiteX7" y="connsiteY7"/>
-                </a:cxn>
-                <a:cxn ang="0">
-                  <a:pos x="connsiteX8" y="connsiteY8"/>
-                </a:cxn>
-                <a:cxn ang="0">
-                  <a:pos x="connsiteX9" y="connsiteY9"/>
-                </a:cxn>
-                <a:cxn ang="0">
-                  <a:pos x="connsiteX10" y="connsiteY10"/>
-                </a:cxn>
-                <a:cxn ang="0">
-                  <a:pos x="connsiteX11" y="connsiteY11"/>
-                </a:cxn>
-                <a:cxn ang="0">
-                  <a:pos x="connsiteX12" y="connsiteY12"/>
-                </a:cxn>
-                <a:cxn ang="0">
-                  <a:pos x="connsiteX13" y="connsiteY13"/>
-                </a:cxn>
-                <a:cxn ang="0">
-                  <a:pos x="connsiteX14" y="connsiteY14"/>
-                </a:cxn>
-                <a:cxn ang="0">
-                  <a:pos x="connsiteX15" y="connsiteY15"/>
-                </a:cxn>
-                <a:cxn ang="0">
-                  <a:pos x="connsiteX16" y="connsiteY16"/>
-                </a:cxn>
-                <a:cxn ang="0">
-                  <a:pos x="connsiteX17" y="connsiteY17"/>
-                </a:cxn>
-                <a:cxn ang="0">
-                  <a:pos x="connsiteX18" y="connsiteY18"/>
-                </a:cxn>
-              </a:cxnLst>
-              <a:rect l="l" t="t" r="r" b="b"/>
-              <a:pathLst>
-                <a:path w="691763" h="429371">
-                  <a:moveTo>
-                    <a:pt x="0" y="0"/>
-                  </a:moveTo>
-                  <a:cubicBezTo>
-                    <a:pt x="7069" y="1414"/>
-                    <a:pt x="61740" y="11694"/>
-                    <a:pt x="71561" y="15903"/>
-                  </a:cubicBezTo>
-                  <a:cubicBezTo>
-                    <a:pt x="80345" y="19667"/>
-                    <a:pt x="86868" y="27532"/>
-                    <a:pt x="95415" y="31806"/>
-                  </a:cubicBezTo>
-                  <a:cubicBezTo>
-                    <a:pt x="102912" y="35554"/>
-                    <a:pt x="111318" y="37107"/>
-                    <a:pt x="119269" y="39757"/>
-                  </a:cubicBezTo>
-                  <a:cubicBezTo>
-                    <a:pt x="172904" y="93392"/>
-                    <a:pt x="145641" y="80353"/>
-                    <a:pt x="190831" y="95416"/>
-                  </a:cubicBezTo>
-                  <a:lnTo>
-                    <a:pt x="214685" y="166978"/>
-                  </a:lnTo>
-                  <a:lnTo>
-                    <a:pt x="222636" y="190832"/>
-                  </a:lnTo>
-                  <a:cubicBezTo>
-                    <a:pt x="225286" y="198783"/>
-                    <a:pt x="228554" y="206555"/>
-                    <a:pt x="230587" y="214686"/>
-                  </a:cubicBezTo>
-                  <a:cubicBezTo>
-                    <a:pt x="233238" y="225288"/>
-                    <a:pt x="232477" y="237398"/>
-                    <a:pt x="238539" y="246491"/>
-                  </a:cubicBezTo>
-                  <a:cubicBezTo>
-                    <a:pt x="243840" y="254442"/>
-                    <a:pt x="254442" y="257092"/>
-                    <a:pt x="262393" y="262393"/>
-                  </a:cubicBezTo>
-                  <a:cubicBezTo>
-                    <a:pt x="278030" y="285849"/>
-                    <a:pt x="279190" y="290968"/>
-                    <a:pt x="302149" y="310101"/>
-                  </a:cubicBezTo>
-                  <a:cubicBezTo>
-                    <a:pt x="309490" y="316219"/>
-                    <a:pt x="318662" y="319886"/>
-                    <a:pt x="326003" y="326004"/>
-                  </a:cubicBezTo>
-                  <a:cubicBezTo>
-                    <a:pt x="334642" y="333203"/>
-                    <a:pt x="340027" y="344397"/>
-                    <a:pt x="349857" y="349858"/>
-                  </a:cubicBezTo>
-                  <a:cubicBezTo>
-                    <a:pt x="364510" y="357999"/>
-                    <a:pt x="397565" y="365760"/>
-                    <a:pt x="397565" y="365760"/>
-                  </a:cubicBezTo>
-                  <a:cubicBezTo>
-                    <a:pt x="415118" y="377462"/>
-                    <a:pt x="429751" y="391081"/>
-                    <a:pt x="453224" y="389614"/>
-                  </a:cubicBezTo>
-                  <a:cubicBezTo>
-                    <a:pt x="485405" y="387603"/>
-                    <a:pt x="548640" y="373712"/>
-                    <a:pt x="548640" y="373712"/>
-                  </a:cubicBezTo>
-                  <a:cubicBezTo>
-                    <a:pt x="571310" y="376231"/>
-                    <a:pt x="617415" y="376294"/>
-                    <a:pt x="644055" y="389614"/>
-                  </a:cubicBezTo>
-                  <a:cubicBezTo>
-                    <a:pt x="652602" y="393888"/>
-                    <a:pt x="660568" y="399399"/>
-                    <a:pt x="667909" y="405517"/>
-                  </a:cubicBezTo>
-                  <a:cubicBezTo>
-                    <a:pt x="676548" y="412716"/>
-                    <a:pt x="691763" y="429371"/>
-                    <a:pt x="691763" y="429371"/>
-                  </a:cubicBezTo>
-                </a:path>
-              </a:pathLst>
-            </a:custGeom>
-          </p:spPr>
-          <p:style>
-            <a:lnRef idx="1">
-              <a:schemeClr val="dk1"/>
-            </a:lnRef>
-            <a:fillRef idx="0">
-              <a:schemeClr val="dk1"/>
-            </a:fillRef>
-            <a:effectRef idx="0">
-              <a:schemeClr val="dk1"/>
-            </a:effectRef>
-            <a:fontRef idx="minor">
-              <a:schemeClr val="tx1"/>
-            </a:fontRef>
-          </p:style>
-          <p:txBody>
-            <a:bodyPr rtlCol="0" anchor="ctr"/>
-            <a:lstStyle/>
-            <a:p>
-              <a:pPr algn="ctr"/>
-              <a:endParaRPr lang="ko-KR" altLang="en-US"/>
-            </a:p>
-          </p:txBody>
-        </p:sp>
-        <p:sp>
-          <p:nvSpPr>
-            <p:cNvPr id="6" name="자유형 5"/>
-            <p:cNvSpPr/>
-            <p:nvPr/>
-          </p:nvSpPr>
-          <p:spPr>
-            <a:xfrm>
-              <a:off x="6906702" y="1415581"/>
-              <a:ext cx="270344" cy="144081"/>
-            </a:xfrm>
-            <a:custGeom>
-              <a:avLst/>
-              <a:gdLst>
-                <a:gd name="connsiteX0" fmla="*/ 0 w 270344"/>
-                <a:gd name="connsiteY0" fmla="*/ 0 h 144081"/>
-                <a:gd name="connsiteX1" fmla="*/ 79513 w 270344"/>
-                <a:gd name="connsiteY1" fmla="*/ 7951 h 144081"/>
-                <a:gd name="connsiteX2" fmla="*/ 103367 w 270344"/>
-                <a:gd name="connsiteY2" fmla="*/ 15902 h 144081"/>
-                <a:gd name="connsiteX3" fmla="*/ 143123 w 270344"/>
-                <a:gd name="connsiteY3" fmla="*/ 63610 h 144081"/>
-                <a:gd name="connsiteX4" fmla="*/ 166977 w 270344"/>
-                <a:gd name="connsiteY4" fmla="*/ 87464 h 144081"/>
-                <a:gd name="connsiteX5" fmla="*/ 198782 w 270344"/>
-                <a:gd name="connsiteY5" fmla="*/ 135172 h 144081"/>
-                <a:gd name="connsiteX6" fmla="*/ 270344 w 270344"/>
-                <a:gd name="connsiteY6" fmla="*/ 143123 h 144081"/>
-              </a:gdLst>
-              <a:ahLst/>
-              <a:cxnLst>
-                <a:cxn ang="0">
-                  <a:pos x="connsiteX0" y="connsiteY0"/>
-                </a:cxn>
-                <a:cxn ang="0">
-                  <a:pos x="connsiteX1" y="connsiteY1"/>
-                </a:cxn>
-                <a:cxn ang="0">
-                  <a:pos x="connsiteX2" y="connsiteY2"/>
-                </a:cxn>
-                <a:cxn ang="0">
-                  <a:pos x="connsiteX3" y="connsiteY3"/>
-                </a:cxn>
-                <a:cxn ang="0">
-                  <a:pos x="connsiteX4" y="connsiteY4"/>
-                </a:cxn>
-                <a:cxn ang="0">
-                  <a:pos x="connsiteX5" y="connsiteY5"/>
-                </a:cxn>
-                <a:cxn ang="0">
-                  <a:pos x="connsiteX6" y="connsiteY6"/>
-                </a:cxn>
-              </a:cxnLst>
-              <a:rect l="l" t="t" r="r" b="b"/>
-              <a:pathLst>
-                <a:path w="270344" h="144081">
-                  <a:moveTo>
-                    <a:pt x="0" y="0"/>
-                  </a:moveTo>
-                  <a:cubicBezTo>
-                    <a:pt x="26504" y="2650"/>
-                    <a:pt x="53186" y="3901"/>
-                    <a:pt x="79513" y="7951"/>
-                  </a:cubicBezTo>
-                  <a:cubicBezTo>
-                    <a:pt x="87797" y="9225"/>
-                    <a:pt x="96393" y="11253"/>
-                    <a:pt x="103367" y="15902"/>
-                  </a:cubicBezTo>
-                  <a:cubicBezTo>
-                    <a:pt x="129502" y="33325"/>
-                    <a:pt x="124788" y="41607"/>
-                    <a:pt x="143123" y="63610"/>
-                  </a:cubicBezTo>
-                  <a:cubicBezTo>
-                    <a:pt x="150322" y="72249"/>
-                    <a:pt x="160073" y="78588"/>
-                    <a:pt x="166977" y="87464"/>
-                  </a:cubicBezTo>
-                  <a:cubicBezTo>
-                    <a:pt x="178711" y="102551"/>
-                    <a:pt x="180650" y="129128"/>
-                    <a:pt x="198782" y="135172"/>
-                  </a:cubicBezTo>
-                  <a:cubicBezTo>
-                    <a:pt x="237723" y="148152"/>
-                    <a:pt x="214255" y="143123"/>
-                    <a:pt x="270344" y="143123"/>
-                  </a:cubicBezTo>
-                </a:path>
-              </a:pathLst>
-            </a:custGeom>
-          </p:spPr>
-          <p:style>
-            <a:lnRef idx="1">
-              <a:schemeClr val="dk1"/>
-            </a:lnRef>
-            <a:fillRef idx="0">
-              <a:schemeClr val="dk1"/>
-            </a:fillRef>
-            <a:effectRef idx="0">
-              <a:schemeClr val="dk1"/>
-            </a:effectRef>
-            <a:fontRef idx="minor">
-              <a:schemeClr val="tx1"/>
-            </a:fontRef>
-          </p:style>
-          <p:txBody>
-            <a:bodyPr rtlCol="0" anchor="ctr"/>
-            <a:lstStyle/>
-            <a:p>
-              <a:pPr algn="ctr"/>
-              <a:endParaRPr lang="ko-KR" altLang="en-US"/>
-            </a:p>
-          </p:txBody>
-        </p:sp>
-        <p:sp>
-          <p:nvSpPr>
-            <p:cNvPr id="7" name="자유형 6"/>
-            <p:cNvSpPr/>
-            <p:nvPr/>
-          </p:nvSpPr>
-          <p:spPr>
-            <a:xfrm>
-              <a:off x="6684065" y="2043734"/>
-              <a:ext cx="278296" cy="246490"/>
-            </a:xfrm>
-            <a:custGeom>
-              <a:avLst/>
-              <a:gdLst>
-                <a:gd name="connsiteX0" fmla="*/ 0 w 278296"/>
-                <a:gd name="connsiteY0" fmla="*/ 0 h 246490"/>
-                <a:gd name="connsiteX1" fmla="*/ 71562 w 278296"/>
-                <a:gd name="connsiteY1" fmla="*/ 7951 h 246490"/>
-                <a:gd name="connsiteX2" fmla="*/ 95416 w 278296"/>
-                <a:gd name="connsiteY2" fmla="*/ 15902 h 246490"/>
-                <a:gd name="connsiteX3" fmla="*/ 127221 w 278296"/>
-                <a:gd name="connsiteY3" fmla="*/ 87464 h 246490"/>
-                <a:gd name="connsiteX4" fmla="*/ 143124 w 278296"/>
-                <a:gd name="connsiteY4" fmla="*/ 111318 h 246490"/>
-                <a:gd name="connsiteX5" fmla="*/ 151075 w 278296"/>
-                <a:gd name="connsiteY5" fmla="*/ 159026 h 246490"/>
-                <a:gd name="connsiteX6" fmla="*/ 190832 w 278296"/>
-                <a:gd name="connsiteY6" fmla="*/ 230588 h 246490"/>
-                <a:gd name="connsiteX7" fmla="*/ 238539 w 278296"/>
-                <a:gd name="connsiteY7" fmla="*/ 246490 h 246490"/>
-                <a:gd name="connsiteX8" fmla="*/ 278296 w 278296"/>
-                <a:gd name="connsiteY8" fmla="*/ 246490 h 246490"/>
-              </a:gdLst>
-              <a:ahLst/>
-              <a:cxnLst>
-                <a:cxn ang="0">
-                  <a:pos x="connsiteX0" y="connsiteY0"/>
-                </a:cxn>
-                <a:cxn ang="0">
-                  <a:pos x="connsiteX1" y="connsiteY1"/>
-                </a:cxn>
-                <a:cxn ang="0">
-                  <a:pos x="connsiteX2" y="connsiteY2"/>
-                </a:cxn>
-                <a:cxn ang="0">
-                  <a:pos x="connsiteX3" y="connsiteY3"/>
-                </a:cxn>
-                <a:cxn ang="0">
-                  <a:pos x="connsiteX4" y="connsiteY4"/>
-                </a:cxn>
-                <a:cxn ang="0">
-                  <a:pos x="connsiteX5" y="connsiteY5"/>
-                </a:cxn>
-                <a:cxn ang="0">
-                  <a:pos x="connsiteX6" y="connsiteY6"/>
-                </a:cxn>
-                <a:cxn ang="0">
-                  <a:pos x="connsiteX7" y="connsiteY7"/>
-                </a:cxn>
-                <a:cxn ang="0">
-                  <a:pos x="connsiteX8" y="connsiteY8"/>
-                </a:cxn>
-              </a:cxnLst>
-              <a:rect l="l" t="t" r="r" b="b"/>
-              <a:pathLst>
-                <a:path w="278296" h="246490">
-                  <a:moveTo>
-                    <a:pt x="0" y="0"/>
-                  </a:moveTo>
-                  <a:cubicBezTo>
-                    <a:pt x="23854" y="2650"/>
-                    <a:pt x="47888" y="4005"/>
-                    <a:pt x="71562" y="7951"/>
-                  </a:cubicBezTo>
-                  <a:cubicBezTo>
-                    <a:pt x="79829" y="9329"/>
-                    <a:pt x="88871" y="10666"/>
-                    <a:pt x="95416" y="15902"/>
-                  </a:cubicBezTo>
-                  <a:cubicBezTo>
-                    <a:pt x="118532" y="34395"/>
-                    <a:pt x="111952" y="64561"/>
-                    <a:pt x="127221" y="87464"/>
-                  </a:cubicBezTo>
-                  <a:lnTo>
-                    <a:pt x="143124" y="111318"/>
-                  </a:lnTo>
-                  <a:cubicBezTo>
-                    <a:pt x="145774" y="127221"/>
-                    <a:pt x="147165" y="143385"/>
-                    <a:pt x="151075" y="159026"/>
-                  </a:cubicBezTo>
-                  <a:cubicBezTo>
-                    <a:pt x="158016" y="186790"/>
-                    <a:pt x="163522" y="215416"/>
-                    <a:pt x="190832" y="230588"/>
-                  </a:cubicBezTo>
-                  <a:cubicBezTo>
-                    <a:pt x="205485" y="238729"/>
-                    <a:pt x="221777" y="246490"/>
-                    <a:pt x="238539" y="246490"/>
-                  </a:cubicBezTo>
-                  <a:lnTo>
-                    <a:pt x="278296" y="246490"/>
-                  </a:lnTo>
-                </a:path>
-              </a:pathLst>
-            </a:custGeom>
-          </p:spPr>
-          <p:style>
-            <a:lnRef idx="1">
-              <a:schemeClr val="dk1"/>
-            </a:lnRef>
-            <a:fillRef idx="0">
-              <a:schemeClr val="dk1"/>
-            </a:fillRef>
-            <a:effectRef idx="0">
-              <a:schemeClr val="dk1"/>
-            </a:effectRef>
-            <a:fontRef idx="minor">
-              <a:schemeClr val="tx1"/>
-            </a:fontRef>
-          </p:style>
-          <p:txBody>
-            <a:bodyPr rtlCol="0" anchor="ctr"/>
-            <a:lstStyle/>
-            <a:p>
-              <a:pPr algn="ctr"/>
-              <a:endParaRPr lang="ko-KR" altLang="en-US"/>
-            </a:p>
-          </p:txBody>
-        </p:sp>
-      </p:grpSp>
-      <p:sp>
-        <p:nvSpPr>
-          <p:cNvPr id="27" name="TextBox 26"/>
-          <p:cNvSpPr txBox="1"/>
-          <p:nvPr/>
-        </p:nvSpPr>
-        <p:spPr>
-          <a:xfrm>
-            <a:off x="1215473" y="2651732"/>
-            <a:ext cx="3674404" cy="369332"/>
+            <a:off x="1566649" y="5584158"/>
+            <a:ext cx="5697394" cy="261610"/>
           </a:xfrm>
           <a:prstGeom prst="rect">
             <a:avLst/>
@@ -4312,1349 +3518,145 @@
           <a:lstStyle/>
           <a:p>
             <a:r>
-              <a:rPr lang="ko-KR" altLang="en-US" b="1" dirty="0" smtClean="0"/>
-              <a:t>귀여운 냥이 남매들 보고 가세요</a:t>
-            </a:r>
-            <a:r>
-              <a:rPr lang="en-US" altLang="ko-KR" b="1" dirty="0" smtClean="0"/>
-              <a:t>~</a:t>
-            </a:r>
-            <a:endParaRPr lang="en-US" altLang="ko-KR" b="1" dirty="0" smtClean="0"/>
-          </a:p>
-        </p:txBody>
-      </p:sp>
-      <p:sp>
-        <p:nvSpPr>
-          <p:cNvPr id="8" name="TextBox 7"/>
-          <p:cNvSpPr txBox="1"/>
-          <p:nvPr/>
-        </p:nvSpPr>
-        <p:spPr>
-          <a:xfrm>
-            <a:off x="3513034" y="5024196"/>
-            <a:ext cx="742511" cy="246221"/>
-          </a:xfrm>
-          <a:prstGeom prst="rect">
-            <a:avLst/>
-          </a:prstGeom>
-          <a:noFill/>
-        </p:spPr>
-        <p:txBody>
-          <a:bodyPr wrap="none" rtlCol="0">
-            <a:spAutoFit/>
-          </a:bodyPr>
-          <a:lstStyle/>
-          <a:p>
-            <a:r>
-              <a:rPr lang="ko-KR" altLang="en-US" sz="1000" b="1" dirty="0" smtClean="0"/>
-              <a:t>첫째 </a:t>
-            </a:r>
-            <a:r>
-              <a:rPr lang="ko-KR" altLang="en-US" sz="1000" b="1" dirty="0" err="1" smtClean="0"/>
-              <a:t>루루</a:t>
-            </a:r>
-            <a:endParaRPr lang="ko-KR" altLang="en-US" sz="1000" b="1" dirty="0"/>
-          </a:p>
-        </p:txBody>
-      </p:sp>
-      <p:sp>
-        <p:nvSpPr>
-          <p:cNvPr id="38" name="TextBox 37"/>
-          <p:cNvSpPr txBox="1"/>
-          <p:nvPr/>
-        </p:nvSpPr>
-        <p:spPr>
-          <a:xfrm>
-            <a:off x="7054865" y="2516225"/>
-            <a:ext cx="742511" cy="246221"/>
-          </a:xfrm>
-          <a:prstGeom prst="rect">
-            <a:avLst/>
-          </a:prstGeom>
-          <a:noFill/>
-        </p:spPr>
-        <p:txBody>
-          <a:bodyPr wrap="none" rtlCol="0">
-            <a:spAutoFit/>
-          </a:bodyPr>
-          <a:lstStyle/>
-          <a:p>
-            <a:r>
-              <a:rPr lang="ko-KR" altLang="en-US" sz="1000" b="1" dirty="0" smtClean="0"/>
-              <a:t>둘째 </a:t>
-            </a:r>
-            <a:r>
-              <a:rPr lang="ko-KR" altLang="en-US" sz="1000" b="1" dirty="0" err="1" smtClean="0"/>
-              <a:t>루아</a:t>
-            </a:r>
-            <a:endParaRPr lang="ko-KR" altLang="en-US" sz="1000" b="1" dirty="0"/>
-          </a:p>
-        </p:txBody>
-      </p:sp>
-      <p:sp>
-        <p:nvSpPr>
-          <p:cNvPr id="39" name="TextBox 38"/>
-          <p:cNvSpPr txBox="1"/>
-          <p:nvPr/>
-        </p:nvSpPr>
-        <p:spPr>
-          <a:xfrm>
-            <a:off x="6823456" y="5409703"/>
-            <a:ext cx="742511" cy="246221"/>
-          </a:xfrm>
-          <a:prstGeom prst="rect">
-            <a:avLst/>
-          </a:prstGeom>
-          <a:noFill/>
-        </p:spPr>
-        <p:txBody>
-          <a:bodyPr wrap="none" rtlCol="0">
-            <a:spAutoFit/>
-          </a:bodyPr>
-          <a:lstStyle/>
-          <a:p>
-            <a:r>
-              <a:rPr lang="ko-KR" altLang="en-US" sz="1000" b="1" dirty="0" smtClean="0"/>
-              <a:t>막내 </a:t>
-            </a:r>
-            <a:r>
-              <a:rPr lang="ko-KR" altLang="en-US" sz="1000" b="1" dirty="0" err="1" smtClean="0"/>
-              <a:t>루이</a:t>
-            </a:r>
-            <a:endParaRPr lang="ko-KR" altLang="en-US" sz="1000" b="1" dirty="0"/>
-          </a:p>
-        </p:txBody>
-      </p:sp>
-      <p:sp>
-        <p:nvSpPr>
-          <p:cNvPr id="11" name="자유형 10"/>
-          <p:cNvSpPr/>
-          <p:nvPr/>
-        </p:nvSpPr>
-        <p:spPr>
-          <a:xfrm rot="20261428">
-            <a:off x="3779990" y="4690958"/>
-            <a:ext cx="111319" cy="350722"/>
-          </a:xfrm>
-          <a:custGeom>
-            <a:avLst/>
-            <a:gdLst>
-              <a:gd name="connsiteX0" fmla="*/ 7952 w 111319"/>
-              <a:gd name="connsiteY0" fmla="*/ 350722 h 350722"/>
-              <a:gd name="connsiteX1" fmla="*/ 23854 w 111319"/>
-              <a:gd name="connsiteY1" fmla="*/ 247355 h 350722"/>
-              <a:gd name="connsiteX2" fmla="*/ 39757 w 111319"/>
-              <a:gd name="connsiteY2" fmla="*/ 223501 h 350722"/>
-              <a:gd name="connsiteX3" fmla="*/ 87465 w 111319"/>
-              <a:gd name="connsiteY3" fmla="*/ 191696 h 350722"/>
-              <a:gd name="connsiteX4" fmla="*/ 103367 w 111319"/>
-              <a:gd name="connsiteY4" fmla="*/ 215550 h 350722"/>
-              <a:gd name="connsiteX5" fmla="*/ 31806 w 111319"/>
-              <a:gd name="connsiteY5" fmla="*/ 231453 h 350722"/>
-              <a:gd name="connsiteX6" fmla="*/ 7952 w 111319"/>
-              <a:gd name="connsiteY6" fmla="*/ 215550 h 350722"/>
-              <a:gd name="connsiteX7" fmla="*/ 0 w 111319"/>
-              <a:gd name="connsiteY7" fmla="*/ 167842 h 350722"/>
-              <a:gd name="connsiteX8" fmla="*/ 23854 w 111319"/>
-              <a:gd name="connsiteY8" fmla="*/ 80378 h 350722"/>
-              <a:gd name="connsiteX9" fmla="*/ 47708 w 111319"/>
-              <a:gd name="connsiteY9" fmla="*/ 72426 h 350722"/>
-              <a:gd name="connsiteX10" fmla="*/ 95416 w 111319"/>
-              <a:gd name="connsiteY10" fmla="*/ 48573 h 350722"/>
-              <a:gd name="connsiteX11" fmla="*/ 55659 w 111319"/>
-              <a:gd name="connsiteY11" fmla="*/ 16767 h 350722"/>
-              <a:gd name="connsiteX12" fmla="*/ 7952 w 111319"/>
-              <a:gd name="connsiteY12" fmla="*/ 865 h 350722"/>
-              <a:gd name="connsiteX13" fmla="*/ 79513 w 111319"/>
-              <a:gd name="connsiteY13" fmla="*/ 16767 h 350722"/>
-              <a:gd name="connsiteX14" fmla="*/ 111319 w 111319"/>
-              <a:gd name="connsiteY14" fmla="*/ 56524 h 350722"/>
-              <a:gd name="connsiteX15" fmla="*/ 103367 w 111319"/>
-              <a:gd name="connsiteY15" fmla="*/ 80378 h 350722"/>
-              <a:gd name="connsiteX16" fmla="*/ 95416 w 111319"/>
-              <a:gd name="connsiteY16" fmla="*/ 128086 h 350722"/>
-              <a:gd name="connsiteX17" fmla="*/ 87465 w 111319"/>
-              <a:gd name="connsiteY17" fmla="*/ 151940 h 350722"/>
-              <a:gd name="connsiteX18" fmla="*/ 79513 w 111319"/>
-              <a:gd name="connsiteY18" fmla="*/ 128086 h 350722"/>
-              <a:gd name="connsiteX19" fmla="*/ 87465 w 111319"/>
-              <a:gd name="connsiteY19" fmla="*/ 80378 h 350722"/>
-              <a:gd name="connsiteX20" fmla="*/ 103367 w 111319"/>
-              <a:gd name="connsiteY20" fmla="*/ 32670 h 350722"/>
-            </a:gdLst>
-            <a:ahLst/>
-            <a:cxnLst>
-              <a:cxn ang="0">
-                <a:pos x="connsiteX0" y="connsiteY0"/>
-              </a:cxn>
-              <a:cxn ang="0">
-                <a:pos x="connsiteX1" y="connsiteY1"/>
-              </a:cxn>
-              <a:cxn ang="0">
-                <a:pos x="connsiteX2" y="connsiteY2"/>
-              </a:cxn>
-              <a:cxn ang="0">
-                <a:pos x="connsiteX3" y="connsiteY3"/>
-              </a:cxn>
-              <a:cxn ang="0">
-                <a:pos x="connsiteX4" y="connsiteY4"/>
-              </a:cxn>
-              <a:cxn ang="0">
-                <a:pos x="connsiteX5" y="connsiteY5"/>
-              </a:cxn>
-              <a:cxn ang="0">
-                <a:pos x="connsiteX6" y="connsiteY6"/>
-              </a:cxn>
-              <a:cxn ang="0">
-                <a:pos x="connsiteX7" y="connsiteY7"/>
-              </a:cxn>
-              <a:cxn ang="0">
-                <a:pos x="connsiteX8" y="connsiteY8"/>
-              </a:cxn>
-              <a:cxn ang="0">
-                <a:pos x="connsiteX9" y="connsiteY9"/>
-              </a:cxn>
-              <a:cxn ang="0">
-                <a:pos x="connsiteX10" y="connsiteY10"/>
-              </a:cxn>
-              <a:cxn ang="0">
-                <a:pos x="connsiteX11" y="connsiteY11"/>
-              </a:cxn>
-              <a:cxn ang="0">
-                <a:pos x="connsiteX12" y="connsiteY12"/>
-              </a:cxn>
-              <a:cxn ang="0">
-                <a:pos x="connsiteX13" y="connsiteY13"/>
-              </a:cxn>
-              <a:cxn ang="0">
-                <a:pos x="connsiteX14" y="connsiteY14"/>
-              </a:cxn>
-              <a:cxn ang="0">
-                <a:pos x="connsiteX15" y="connsiteY15"/>
-              </a:cxn>
-              <a:cxn ang="0">
-                <a:pos x="connsiteX16" y="connsiteY16"/>
-              </a:cxn>
-              <a:cxn ang="0">
-                <a:pos x="connsiteX17" y="connsiteY17"/>
-              </a:cxn>
-              <a:cxn ang="0">
-                <a:pos x="connsiteX18" y="connsiteY18"/>
-              </a:cxn>
-              <a:cxn ang="0">
-                <a:pos x="connsiteX19" y="connsiteY19"/>
-              </a:cxn>
-              <a:cxn ang="0">
-                <a:pos x="connsiteX20" y="connsiteY20"/>
-              </a:cxn>
-            </a:cxnLst>
-            <a:rect l="l" t="t" r="r" b="b"/>
-            <a:pathLst>
-              <a:path w="111319" h="350722">
-                <a:moveTo>
-                  <a:pt x="7952" y="350722"/>
-                </a:moveTo>
-                <a:cubicBezTo>
-                  <a:pt x="10232" y="327923"/>
-                  <a:pt x="9527" y="276009"/>
-                  <a:pt x="23854" y="247355"/>
-                </a:cubicBezTo>
-                <a:cubicBezTo>
-                  <a:pt x="28128" y="238808"/>
-                  <a:pt x="32565" y="229794"/>
-                  <a:pt x="39757" y="223501"/>
-                </a:cubicBezTo>
-                <a:cubicBezTo>
-                  <a:pt x="54141" y="210915"/>
-                  <a:pt x="87465" y="191696"/>
-                  <a:pt x="87465" y="191696"/>
-                </a:cubicBezTo>
-                <a:cubicBezTo>
-                  <a:pt x="92766" y="199647"/>
-                  <a:pt x="101796" y="206124"/>
-                  <a:pt x="103367" y="215550"/>
-                </a:cubicBezTo>
-                <a:cubicBezTo>
-                  <a:pt x="111190" y="262492"/>
-                  <a:pt x="46289" y="233263"/>
-                  <a:pt x="31806" y="231453"/>
-                </a:cubicBezTo>
-                <a:cubicBezTo>
-                  <a:pt x="23855" y="226152"/>
-                  <a:pt x="12226" y="224097"/>
-                  <a:pt x="7952" y="215550"/>
-                </a:cubicBezTo>
-                <a:cubicBezTo>
-                  <a:pt x="742" y="201130"/>
-                  <a:pt x="0" y="183964"/>
-                  <a:pt x="0" y="167842"/>
-                </a:cubicBezTo>
-                <a:cubicBezTo>
-                  <a:pt x="0" y="145505"/>
-                  <a:pt x="186" y="99313"/>
-                  <a:pt x="23854" y="80378"/>
-                </a:cubicBezTo>
-                <a:cubicBezTo>
-                  <a:pt x="30399" y="75142"/>
-                  <a:pt x="40211" y="76174"/>
-                  <a:pt x="47708" y="72426"/>
-                </a:cubicBezTo>
-                <a:cubicBezTo>
-                  <a:pt x="109356" y="41602"/>
-                  <a:pt x="35465" y="68556"/>
-                  <a:pt x="95416" y="48573"/>
-                </a:cubicBezTo>
-                <a:cubicBezTo>
-                  <a:pt x="8415" y="19570"/>
-                  <a:pt x="137873" y="68150"/>
-                  <a:pt x="55659" y="16767"/>
-                </a:cubicBezTo>
-                <a:cubicBezTo>
-                  <a:pt x="41444" y="7883"/>
-                  <a:pt x="-8310" y="-3200"/>
-                  <a:pt x="7952" y="865"/>
-                </a:cubicBezTo>
-                <a:cubicBezTo>
-                  <a:pt x="52868" y="12094"/>
-                  <a:pt x="29041" y="6673"/>
-                  <a:pt x="79513" y="16767"/>
-                </a:cubicBezTo>
-                <a:cubicBezTo>
-                  <a:pt x="97828" y="28977"/>
-                  <a:pt x="111319" y="30920"/>
-                  <a:pt x="111319" y="56524"/>
-                </a:cubicBezTo>
-                <a:cubicBezTo>
-                  <a:pt x="111319" y="64906"/>
-                  <a:pt x="106018" y="72427"/>
-                  <a:pt x="103367" y="80378"/>
-                </a:cubicBezTo>
-                <a:cubicBezTo>
-                  <a:pt x="100717" y="96281"/>
-                  <a:pt x="98913" y="112348"/>
-                  <a:pt x="95416" y="128086"/>
-                </a:cubicBezTo>
-                <a:cubicBezTo>
-                  <a:pt x="93598" y="136268"/>
-                  <a:pt x="95846" y="151940"/>
-                  <a:pt x="87465" y="151940"/>
-                </a:cubicBezTo>
-                <a:cubicBezTo>
-                  <a:pt x="79083" y="151940"/>
-                  <a:pt x="82164" y="136037"/>
-                  <a:pt x="79513" y="128086"/>
-                </a:cubicBezTo>
-                <a:cubicBezTo>
-                  <a:pt x="82164" y="112183"/>
-                  <a:pt x="83555" y="96019"/>
-                  <a:pt x="87465" y="80378"/>
-                </a:cubicBezTo>
-                <a:cubicBezTo>
-                  <a:pt x="91531" y="64116"/>
-                  <a:pt x="103367" y="32670"/>
-                  <a:pt x="103367" y="32670"/>
-                </a:cubicBezTo>
-              </a:path>
-            </a:pathLst>
-          </a:custGeom>
-        </p:spPr>
-        <p:style>
-          <a:lnRef idx="1">
-            <a:schemeClr val="dk1"/>
-          </a:lnRef>
-          <a:fillRef idx="0">
-            <a:schemeClr val="dk1"/>
-          </a:fillRef>
-          <a:effectRef idx="0">
-            <a:schemeClr val="dk1"/>
-          </a:effectRef>
-          <a:fontRef idx="minor">
-            <a:schemeClr val="tx1"/>
-          </a:fontRef>
-        </p:style>
-        <p:txBody>
-          <a:bodyPr rtlCol="0" anchor="ctr"/>
-          <a:lstStyle/>
-          <a:p>
-            <a:pPr algn="ctr"/>
-            <a:endParaRPr lang="ko-KR" altLang="en-US"/>
-          </a:p>
-        </p:txBody>
-      </p:sp>
-      <p:sp>
-        <p:nvSpPr>
-          <p:cNvPr id="40" name="자유형 39"/>
-          <p:cNvSpPr/>
-          <p:nvPr/>
-        </p:nvSpPr>
-        <p:spPr>
-          <a:xfrm rot="9900271">
-            <a:off x="7490380" y="2748464"/>
-            <a:ext cx="112378" cy="354058"/>
-          </a:xfrm>
-          <a:custGeom>
-            <a:avLst/>
-            <a:gdLst>
-              <a:gd name="connsiteX0" fmla="*/ 7952 w 111319"/>
-              <a:gd name="connsiteY0" fmla="*/ 350722 h 350722"/>
-              <a:gd name="connsiteX1" fmla="*/ 23854 w 111319"/>
-              <a:gd name="connsiteY1" fmla="*/ 247355 h 350722"/>
-              <a:gd name="connsiteX2" fmla="*/ 39757 w 111319"/>
-              <a:gd name="connsiteY2" fmla="*/ 223501 h 350722"/>
-              <a:gd name="connsiteX3" fmla="*/ 87465 w 111319"/>
-              <a:gd name="connsiteY3" fmla="*/ 191696 h 350722"/>
-              <a:gd name="connsiteX4" fmla="*/ 103367 w 111319"/>
-              <a:gd name="connsiteY4" fmla="*/ 215550 h 350722"/>
-              <a:gd name="connsiteX5" fmla="*/ 31806 w 111319"/>
-              <a:gd name="connsiteY5" fmla="*/ 231453 h 350722"/>
-              <a:gd name="connsiteX6" fmla="*/ 7952 w 111319"/>
-              <a:gd name="connsiteY6" fmla="*/ 215550 h 350722"/>
-              <a:gd name="connsiteX7" fmla="*/ 0 w 111319"/>
-              <a:gd name="connsiteY7" fmla="*/ 167842 h 350722"/>
-              <a:gd name="connsiteX8" fmla="*/ 23854 w 111319"/>
-              <a:gd name="connsiteY8" fmla="*/ 80378 h 350722"/>
-              <a:gd name="connsiteX9" fmla="*/ 47708 w 111319"/>
-              <a:gd name="connsiteY9" fmla="*/ 72426 h 350722"/>
-              <a:gd name="connsiteX10" fmla="*/ 95416 w 111319"/>
-              <a:gd name="connsiteY10" fmla="*/ 48573 h 350722"/>
-              <a:gd name="connsiteX11" fmla="*/ 55659 w 111319"/>
-              <a:gd name="connsiteY11" fmla="*/ 16767 h 350722"/>
-              <a:gd name="connsiteX12" fmla="*/ 7952 w 111319"/>
-              <a:gd name="connsiteY12" fmla="*/ 865 h 350722"/>
-              <a:gd name="connsiteX13" fmla="*/ 79513 w 111319"/>
-              <a:gd name="connsiteY13" fmla="*/ 16767 h 350722"/>
-              <a:gd name="connsiteX14" fmla="*/ 111319 w 111319"/>
-              <a:gd name="connsiteY14" fmla="*/ 56524 h 350722"/>
-              <a:gd name="connsiteX15" fmla="*/ 103367 w 111319"/>
-              <a:gd name="connsiteY15" fmla="*/ 80378 h 350722"/>
-              <a:gd name="connsiteX16" fmla="*/ 95416 w 111319"/>
-              <a:gd name="connsiteY16" fmla="*/ 128086 h 350722"/>
-              <a:gd name="connsiteX17" fmla="*/ 87465 w 111319"/>
-              <a:gd name="connsiteY17" fmla="*/ 151940 h 350722"/>
-              <a:gd name="connsiteX18" fmla="*/ 79513 w 111319"/>
-              <a:gd name="connsiteY18" fmla="*/ 128086 h 350722"/>
-              <a:gd name="connsiteX19" fmla="*/ 87465 w 111319"/>
-              <a:gd name="connsiteY19" fmla="*/ 80378 h 350722"/>
-              <a:gd name="connsiteX20" fmla="*/ 103367 w 111319"/>
-              <a:gd name="connsiteY20" fmla="*/ 32670 h 350722"/>
-            </a:gdLst>
-            <a:ahLst/>
-            <a:cxnLst>
-              <a:cxn ang="0">
-                <a:pos x="connsiteX0" y="connsiteY0"/>
-              </a:cxn>
-              <a:cxn ang="0">
-                <a:pos x="connsiteX1" y="connsiteY1"/>
-              </a:cxn>
-              <a:cxn ang="0">
-                <a:pos x="connsiteX2" y="connsiteY2"/>
-              </a:cxn>
-              <a:cxn ang="0">
-                <a:pos x="connsiteX3" y="connsiteY3"/>
-              </a:cxn>
-              <a:cxn ang="0">
-                <a:pos x="connsiteX4" y="connsiteY4"/>
-              </a:cxn>
-              <a:cxn ang="0">
-                <a:pos x="connsiteX5" y="connsiteY5"/>
-              </a:cxn>
-              <a:cxn ang="0">
-                <a:pos x="connsiteX6" y="connsiteY6"/>
-              </a:cxn>
-              <a:cxn ang="0">
-                <a:pos x="connsiteX7" y="connsiteY7"/>
-              </a:cxn>
-              <a:cxn ang="0">
-                <a:pos x="connsiteX8" y="connsiteY8"/>
-              </a:cxn>
-              <a:cxn ang="0">
-                <a:pos x="connsiteX9" y="connsiteY9"/>
-              </a:cxn>
-              <a:cxn ang="0">
-                <a:pos x="connsiteX10" y="connsiteY10"/>
-              </a:cxn>
-              <a:cxn ang="0">
-                <a:pos x="connsiteX11" y="connsiteY11"/>
-              </a:cxn>
-              <a:cxn ang="0">
-                <a:pos x="connsiteX12" y="connsiteY12"/>
-              </a:cxn>
-              <a:cxn ang="0">
-                <a:pos x="connsiteX13" y="connsiteY13"/>
-              </a:cxn>
-              <a:cxn ang="0">
-                <a:pos x="connsiteX14" y="connsiteY14"/>
-              </a:cxn>
-              <a:cxn ang="0">
-                <a:pos x="connsiteX15" y="connsiteY15"/>
-              </a:cxn>
-              <a:cxn ang="0">
-                <a:pos x="connsiteX16" y="connsiteY16"/>
-              </a:cxn>
-              <a:cxn ang="0">
-                <a:pos x="connsiteX17" y="connsiteY17"/>
-              </a:cxn>
-              <a:cxn ang="0">
-                <a:pos x="connsiteX18" y="connsiteY18"/>
-              </a:cxn>
-              <a:cxn ang="0">
-                <a:pos x="connsiteX19" y="connsiteY19"/>
-              </a:cxn>
-              <a:cxn ang="0">
-                <a:pos x="connsiteX20" y="connsiteY20"/>
-              </a:cxn>
-            </a:cxnLst>
-            <a:rect l="l" t="t" r="r" b="b"/>
-            <a:pathLst>
-              <a:path w="111319" h="350722">
-                <a:moveTo>
-                  <a:pt x="7952" y="350722"/>
-                </a:moveTo>
-                <a:cubicBezTo>
-                  <a:pt x="10232" y="327923"/>
-                  <a:pt x="9527" y="276009"/>
-                  <a:pt x="23854" y="247355"/>
-                </a:cubicBezTo>
-                <a:cubicBezTo>
-                  <a:pt x="28128" y="238808"/>
-                  <a:pt x="32565" y="229794"/>
-                  <a:pt x="39757" y="223501"/>
-                </a:cubicBezTo>
-                <a:cubicBezTo>
-                  <a:pt x="54141" y="210915"/>
-                  <a:pt x="87465" y="191696"/>
-                  <a:pt x="87465" y="191696"/>
-                </a:cubicBezTo>
-                <a:cubicBezTo>
-                  <a:pt x="92766" y="199647"/>
-                  <a:pt x="101796" y="206124"/>
-                  <a:pt x="103367" y="215550"/>
-                </a:cubicBezTo>
-                <a:cubicBezTo>
-                  <a:pt x="111190" y="262492"/>
-                  <a:pt x="46289" y="233263"/>
-                  <a:pt x="31806" y="231453"/>
-                </a:cubicBezTo>
-                <a:cubicBezTo>
-                  <a:pt x="23855" y="226152"/>
-                  <a:pt x="12226" y="224097"/>
-                  <a:pt x="7952" y="215550"/>
-                </a:cubicBezTo>
-                <a:cubicBezTo>
-                  <a:pt x="742" y="201130"/>
-                  <a:pt x="0" y="183964"/>
-                  <a:pt x="0" y="167842"/>
-                </a:cubicBezTo>
-                <a:cubicBezTo>
-                  <a:pt x="0" y="145505"/>
-                  <a:pt x="186" y="99313"/>
-                  <a:pt x="23854" y="80378"/>
-                </a:cubicBezTo>
-                <a:cubicBezTo>
-                  <a:pt x="30399" y="75142"/>
-                  <a:pt x="40211" y="76174"/>
-                  <a:pt x="47708" y="72426"/>
-                </a:cubicBezTo>
-                <a:cubicBezTo>
-                  <a:pt x="109356" y="41602"/>
-                  <a:pt x="35465" y="68556"/>
-                  <a:pt x="95416" y="48573"/>
-                </a:cubicBezTo>
-                <a:cubicBezTo>
-                  <a:pt x="8415" y="19570"/>
-                  <a:pt x="137873" y="68150"/>
-                  <a:pt x="55659" y="16767"/>
-                </a:cubicBezTo>
-                <a:cubicBezTo>
-                  <a:pt x="41444" y="7883"/>
-                  <a:pt x="-8310" y="-3200"/>
-                  <a:pt x="7952" y="865"/>
-                </a:cubicBezTo>
-                <a:cubicBezTo>
-                  <a:pt x="52868" y="12094"/>
-                  <a:pt x="29041" y="6673"/>
-                  <a:pt x="79513" y="16767"/>
-                </a:cubicBezTo>
-                <a:cubicBezTo>
-                  <a:pt x="97828" y="28977"/>
-                  <a:pt x="111319" y="30920"/>
-                  <a:pt x="111319" y="56524"/>
-                </a:cubicBezTo>
-                <a:cubicBezTo>
-                  <a:pt x="111319" y="64906"/>
-                  <a:pt x="106018" y="72427"/>
-                  <a:pt x="103367" y="80378"/>
-                </a:cubicBezTo>
-                <a:cubicBezTo>
-                  <a:pt x="100717" y="96281"/>
-                  <a:pt x="98913" y="112348"/>
-                  <a:pt x="95416" y="128086"/>
-                </a:cubicBezTo>
-                <a:cubicBezTo>
-                  <a:pt x="93598" y="136268"/>
-                  <a:pt x="95846" y="151940"/>
-                  <a:pt x="87465" y="151940"/>
-                </a:cubicBezTo>
-                <a:cubicBezTo>
-                  <a:pt x="79083" y="151940"/>
-                  <a:pt x="82164" y="136037"/>
-                  <a:pt x="79513" y="128086"/>
-                </a:cubicBezTo>
-                <a:cubicBezTo>
-                  <a:pt x="82164" y="112183"/>
-                  <a:pt x="83555" y="96019"/>
-                  <a:pt x="87465" y="80378"/>
-                </a:cubicBezTo>
-                <a:cubicBezTo>
-                  <a:pt x="91531" y="64116"/>
-                  <a:pt x="103367" y="32670"/>
-                  <a:pt x="103367" y="32670"/>
-                </a:cubicBezTo>
-              </a:path>
-            </a:pathLst>
-          </a:custGeom>
-        </p:spPr>
-        <p:style>
-          <a:lnRef idx="1">
-            <a:schemeClr val="dk1"/>
-          </a:lnRef>
-          <a:fillRef idx="0">
-            <a:schemeClr val="dk1"/>
-          </a:fillRef>
-          <a:effectRef idx="0">
-            <a:schemeClr val="dk1"/>
-          </a:effectRef>
-          <a:fontRef idx="minor">
-            <a:schemeClr val="tx1"/>
-          </a:fontRef>
-        </p:style>
-        <p:txBody>
-          <a:bodyPr rtlCol="0" anchor="ctr"/>
-          <a:lstStyle/>
-          <a:p>
-            <a:pPr algn="ctr"/>
-            <a:endParaRPr lang="ko-KR" altLang="en-US"/>
-          </a:p>
-        </p:txBody>
-      </p:sp>
-      <p:sp>
-        <p:nvSpPr>
-          <p:cNvPr id="14" name="자유형 13"/>
-          <p:cNvSpPr/>
-          <p:nvPr/>
-        </p:nvSpPr>
-        <p:spPr>
-          <a:xfrm>
-            <a:off x="6369223" y="5290560"/>
-            <a:ext cx="534414" cy="258953"/>
-          </a:xfrm>
-          <a:custGeom>
-            <a:avLst/>
-            <a:gdLst>
-              <a:gd name="connsiteX0" fmla="*/ 534414 w 534414"/>
-              <a:gd name="connsiteY0" fmla="*/ 258953 h 258953"/>
-              <a:gd name="connsiteX1" fmla="*/ 438999 w 534414"/>
-              <a:gd name="connsiteY1" fmla="*/ 251002 h 258953"/>
-              <a:gd name="connsiteX2" fmla="*/ 415145 w 534414"/>
-              <a:gd name="connsiteY2" fmla="*/ 243051 h 258953"/>
-              <a:gd name="connsiteX3" fmla="*/ 343583 w 534414"/>
-              <a:gd name="connsiteY3" fmla="*/ 187392 h 258953"/>
-              <a:gd name="connsiteX4" fmla="*/ 327680 w 534414"/>
-              <a:gd name="connsiteY4" fmla="*/ 163538 h 258953"/>
-              <a:gd name="connsiteX5" fmla="*/ 319729 w 534414"/>
-              <a:gd name="connsiteY5" fmla="*/ 76073 h 258953"/>
-              <a:gd name="connsiteX6" fmla="*/ 343583 w 534414"/>
-              <a:gd name="connsiteY6" fmla="*/ 68122 h 258953"/>
-              <a:gd name="connsiteX7" fmla="*/ 367437 w 534414"/>
-              <a:gd name="connsiteY7" fmla="*/ 99927 h 258953"/>
-              <a:gd name="connsiteX8" fmla="*/ 415145 w 534414"/>
-              <a:gd name="connsiteY8" fmla="*/ 147635 h 258953"/>
-              <a:gd name="connsiteX9" fmla="*/ 407193 w 534414"/>
-              <a:gd name="connsiteY9" fmla="*/ 195343 h 258953"/>
-              <a:gd name="connsiteX10" fmla="*/ 383339 w 534414"/>
-              <a:gd name="connsiteY10" fmla="*/ 211246 h 258953"/>
-              <a:gd name="connsiteX11" fmla="*/ 224313 w 534414"/>
-              <a:gd name="connsiteY11" fmla="*/ 203294 h 258953"/>
-              <a:gd name="connsiteX12" fmla="*/ 168654 w 534414"/>
-              <a:gd name="connsiteY12" fmla="*/ 179440 h 258953"/>
-              <a:gd name="connsiteX13" fmla="*/ 120946 w 534414"/>
-              <a:gd name="connsiteY13" fmla="*/ 147635 h 258953"/>
-              <a:gd name="connsiteX14" fmla="*/ 105044 w 534414"/>
-              <a:gd name="connsiteY14" fmla="*/ 123781 h 258953"/>
-              <a:gd name="connsiteX15" fmla="*/ 97092 w 534414"/>
-              <a:gd name="connsiteY15" fmla="*/ 99927 h 258953"/>
-              <a:gd name="connsiteX16" fmla="*/ 73239 w 534414"/>
-              <a:gd name="connsiteY16" fmla="*/ 76073 h 258953"/>
-              <a:gd name="connsiteX17" fmla="*/ 33482 w 534414"/>
-              <a:gd name="connsiteY17" fmla="*/ 52220 h 258953"/>
-              <a:gd name="connsiteX18" fmla="*/ 25531 w 534414"/>
-              <a:gd name="connsiteY18" fmla="*/ 91976 h 258953"/>
-              <a:gd name="connsiteX19" fmla="*/ 17579 w 534414"/>
-              <a:gd name="connsiteY19" fmla="*/ 147635 h 258953"/>
-              <a:gd name="connsiteX20" fmla="*/ 1677 w 534414"/>
-              <a:gd name="connsiteY20" fmla="*/ 195343 h 258953"/>
-              <a:gd name="connsiteX21" fmla="*/ 25531 w 534414"/>
-              <a:gd name="connsiteY21" fmla="*/ 52220 h 258953"/>
-              <a:gd name="connsiteX22" fmla="*/ 49385 w 534414"/>
-              <a:gd name="connsiteY22" fmla="*/ 44268 h 258953"/>
-              <a:gd name="connsiteX23" fmla="*/ 128898 w 534414"/>
-              <a:gd name="connsiteY23" fmla="*/ 4512 h 258953"/>
-              <a:gd name="connsiteX24" fmla="*/ 176605 w 534414"/>
-              <a:gd name="connsiteY24" fmla="*/ 20414 h 258953"/>
-              <a:gd name="connsiteX25" fmla="*/ 25531 w 534414"/>
-              <a:gd name="connsiteY25" fmla="*/ 28366 h 258953"/>
-            </a:gdLst>
-            <a:ahLst/>
-            <a:cxnLst>
-              <a:cxn ang="0">
-                <a:pos x="connsiteX0" y="connsiteY0"/>
-              </a:cxn>
-              <a:cxn ang="0">
-                <a:pos x="connsiteX1" y="connsiteY1"/>
-              </a:cxn>
-              <a:cxn ang="0">
-                <a:pos x="connsiteX2" y="connsiteY2"/>
-              </a:cxn>
-              <a:cxn ang="0">
-                <a:pos x="connsiteX3" y="connsiteY3"/>
-              </a:cxn>
-              <a:cxn ang="0">
-                <a:pos x="connsiteX4" y="connsiteY4"/>
-              </a:cxn>
-              <a:cxn ang="0">
-                <a:pos x="connsiteX5" y="connsiteY5"/>
-              </a:cxn>
-              <a:cxn ang="0">
-                <a:pos x="connsiteX6" y="connsiteY6"/>
-              </a:cxn>
-              <a:cxn ang="0">
-                <a:pos x="connsiteX7" y="connsiteY7"/>
-              </a:cxn>
-              <a:cxn ang="0">
-                <a:pos x="connsiteX8" y="connsiteY8"/>
-              </a:cxn>
-              <a:cxn ang="0">
-                <a:pos x="connsiteX9" y="connsiteY9"/>
-              </a:cxn>
-              <a:cxn ang="0">
-                <a:pos x="connsiteX10" y="connsiteY10"/>
-              </a:cxn>
-              <a:cxn ang="0">
-                <a:pos x="connsiteX11" y="connsiteY11"/>
-              </a:cxn>
-              <a:cxn ang="0">
-                <a:pos x="connsiteX12" y="connsiteY12"/>
-              </a:cxn>
-              <a:cxn ang="0">
-                <a:pos x="connsiteX13" y="connsiteY13"/>
-              </a:cxn>
-              <a:cxn ang="0">
-                <a:pos x="connsiteX14" y="connsiteY14"/>
-              </a:cxn>
-              <a:cxn ang="0">
-                <a:pos x="connsiteX15" y="connsiteY15"/>
-              </a:cxn>
-              <a:cxn ang="0">
-                <a:pos x="connsiteX16" y="connsiteY16"/>
-              </a:cxn>
-              <a:cxn ang="0">
-                <a:pos x="connsiteX17" y="connsiteY17"/>
-              </a:cxn>
-              <a:cxn ang="0">
-                <a:pos x="connsiteX18" y="connsiteY18"/>
-              </a:cxn>
-              <a:cxn ang="0">
-                <a:pos x="connsiteX19" y="connsiteY19"/>
-              </a:cxn>
-              <a:cxn ang="0">
-                <a:pos x="connsiteX20" y="connsiteY20"/>
-              </a:cxn>
-              <a:cxn ang="0">
-                <a:pos x="connsiteX21" y="connsiteY21"/>
-              </a:cxn>
-              <a:cxn ang="0">
-                <a:pos x="connsiteX22" y="connsiteY22"/>
-              </a:cxn>
-              <a:cxn ang="0">
-                <a:pos x="connsiteX23" y="connsiteY23"/>
-              </a:cxn>
-              <a:cxn ang="0">
-                <a:pos x="connsiteX24" y="connsiteY24"/>
-              </a:cxn>
-              <a:cxn ang="0">
-                <a:pos x="connsiteX25" y="connsiteY25"/>
-              </a:cxn>
-            </a:cxnLst>
-            <a:rect l="l" t="t" r="r" b="b"/>
-            <a:pathLst>
-              <a:path w="534414" h="258953">
-                <a:moveTo>
-                  <a:pt x="534414" y="258953"/>
-                </a:moveTo>
-                <a:cubicBezTo>
-                  <a:pt x="502609" y="256303"/>
-                  <a:pt x="470634" y="255220"/>
-                  <a:pt x="438999" y="251002"/>
-                </a:cubicBezTo>
-                <a:cubicBezTo>
-                  <a:pt x="430691" y="249894"/>
-                  <a:pt x="422472" y="247121"/>
-                  <a:pt x="415145" y="243051"/>
-                </a:cubicBezTo>
-                <a:cubicBezTo>
-                  <a:pt x="387630" y="227765"/>
-                  <a:pt x="363566" y="211372"/>
-                  <a:pt x="343583" y="187392"/>
-                </a:cubicBezTo>
-                <a:cubicBezTo>
-                  <a:pt x="337465" y="180051"/>
-                  <a:pt x="332981" y="171489"/>
-                  <a:pt x="327680" y="163538"/>
-                </a:cubicBezTo>
-                <a:cubicBezTo>
-                  <a:pt x="318346" y="135536"/>
-                  <a:pt x="299749" y="106043"/>
-                  <a:pt x="319729" y="76073"/>
-                </a:cubicBezTo>
-                <a:cubicBezTo>
-                  <a:pt x="324378" y="69099"/>
-                  <a:pt x="335632" y="70772"/>
-                  <a:pt x="343583" y="68122"/>
-                </a:cubicBezTo>
-                <a:cubicBezTo>
-                  <a:pt x="351534" y="78724"/>
-                  <a:pt x="358066" y="90556"/>
-                  <a:pt x="367437" y="99927"/>
-                </a:cubicBezTo>
-                <a:cubicBezTo>
-                  <a:pt x="426613" y="159103"/>
-                  <a:pt x="377666" y="91418"/>
-                  <a:pt x="415145" y="147635"/>
-                </a:cubicBezTo>
-                <a:cubicBezTo>
-                  <a:pt x="412494" y="163538"/>
-                  <a:pt x="414403" y="180923"/>
-                  <a:pt x="407193" y="195343"/>
-                </a:cubicBezTo>
-                <a:cubicBezTo>
-                  <a:pt x="402919" y="203890"/>
-                  <a:pt x="392886" y="210831"/>
-                  <a:pt x="383339" y="211246"/>
-                </a:cubicBezTo>
-                <a:lnTo>
-                  <a:pt x="224313" y="203294"/>
-                </a:lnTo>
-                <a:cubicBezTo>
-                  <a:pt x="204844" y="196805"/>
-                  <a:pt x="185851" y="191724"/>
-                  <a:pt x="168654" y="179440"/>
-                </a:cubicBezTo>
-                <a:cubicBezTo>
-                  <a:pt x="116538" y="142215"/>
-                  <a:pt x="172116" y="164693"/>
-                  <a:pt x="120946" y="147635"/>
-                </a:cubicBezTo>
-                <a:cubicBezTo>
-                  <a:pt x="115645" y="139684"/>
-                  <a:pt x="109318" y="132328"/>
-                  <a:pt x="105044" y="123781"/>
-                </a:cubicBezTo>
-                <a:cubicBezTo>
-                  <a:pt x="101296" y="116284"/>
-                  <a:pt x="101741" y="106901"/>
-                  <a:pt x="97092" y="99927"/>
-                </a:cubicBezTo>
-                <a:cubicBezTo>
-                  <a:pt x="90855" y="90571"/>
-                  <a:pt x="81190" y="84024"/>
-                  <a:pt x="73239" y="76073"/>
-                </a:cubicBezTo>
-                <a:cubicBezTo>
-                  <a:pt x="53780" y="17698"/>
-                  <a:pt x="69189" y="16513"/>
-                  <a:pt x="33482" y="52220"/>
-                </a:cubicBezTo>
-                <a:cubicBezTo>
-                  <a:pt x="30832" y="65472"/>
-                  <a:pt x="27753" y="78645"/>
-                  <a:pt x="25531" y="91976"/>
-                </a:cubicBezTo>
-                <a:cubicBezTo>
-                  <a:pt x="22450" y="110462"/>
-                  <a:pt x="21793" y="129374"/>
-                  <a:pt x="17579" y="147635"/>
-                </a:cubicBezTo>
-                <a:cubicBezTo>
-                  <a:pt x="13810" y="163969"/>
-                  <a:pt x="1677" y="195343"/>
-                  <a:pt x="1677" y="195343"/>
-                </a:cubicBezTo>
-                <a:cubicBezTo>
-                  <a:pt x="2453" y="183702"/>
-                  <a:pt x="-10602" y="81126"/>
-                  <a:pt x="25531" y="52220"/>
-                </a:cubicBezTo>
-                <a:cubicBezTo>
-                  <a:pt x="32076" y="46984"/>
-                  <a:pt x="41434" y="46919"/>
-                  <a:pt x="49385" y="44268"/>
-                </a:cubicBezTo>
-                <a:cubicBezTo>
-                  <a:pt x="35727" y="-10359"/>
-                  <a:pt x="26813" y="-1493"/>
-                  <a:pt x="128898" y="4512"/>
-                </a:cubicBezTo>
-                <a:cubicBezTo>
-                  <a:pt x="145632" y="5496"/>
-                  <a:pt x="176605" y="20414"/>
-                  <a:pt x="176605" y="20414"/>
-                </a:cubicBezTo>
-                <a:cubicBezTo>
-                  <a:pt x="112522" y="41778"/>
-                  <a:pt x="161133" y="28366"/>
-                  <a:pt x="25531" y="28366"/>
-                </a:cubicBezTo>
-              </a:path>
-            </a:pathLst>
-          </a:custGeom>
-        </p:spPr>
-        <p:style>
-          <a:lnRef idx="1">
-            <a:schemeClr val="dk1"/>
-          </a:lnRef>
-          <a:fillRef idx="0">
-            <a:schemeClr val="dk1"/>
-          </a:fillRef>
-          <a:effectRef idx="0">
-            <a:schemeClr val="dk1"/>
-          </a:effectRef>
-          <a:fontRef idx="minor">
-            <a:schemeClr val="tx1"/>
-          </a:fontRef>
-        </p:style>
-        <p:txBody>
-          <a:bodyPr rtlCol="0" anchor="ctr"/>
-          <a:lstStyle/>
-          <a:p>
-            <a:pPr algn="ctr"/>
-            <a:endParaRPr lang="ko-KR" altLang="en-US"/>
-          </a:p>
-        </p:txBody>
-      </p:sp>
-      <p:cxnSp>
-        <p:nvCxnSpPr>
-          <p:cNvPr id="41" name="직선 화살표 연결선 40"/>
-          <p:cNvCxnSpPr>
-            <a:stCxn id="42" idx="1"/>
-          </p:cNvCxnSpPr>
-          <p:nvPr/>
-        </p:nvCxnSpPr>
-        <p:spPr>
-          <a:xfrm flipH="1">
-            <a:off x="7446488" y="3054416"/>
-            <a:ext cx="1200596" cy="2355287"/>
-          </a:xfrm>
-          <a:prstGeom prst="straightConnector1">
-            <a:avLst/>
-          </a:prstGeom>
-          <a:ln>
-            <a:solidFill>
-              <a:srgbClr val="FF0000"/>
-            </a:solidFill>
-            <a:tailEnd type="triangle"/>
-          </a:ln>
-        </p:spPr>
-        <p:style>
-          <a:lnRef idx="2">
-            <a:schemeClr val="accent2"/>
-          </a:lnRef>
-          <a:fillRef idx="1">
-            <a:schemeClr val="lt1"/>
-          </a:fillRef>
-          <a:effectRef idx="0">
-            <a:schemeClr val="accent2"/>
-          </a:effectRef>
-          <a:fontRef idx="minor">
-            <a:schemeClr val="dk1"/>
-          </a:fontRef>
-        </p:style>
-      </p:cxnSp>
-      <p:pic>
-        <p:nvPicPr>
-          <p:cNvPr id="1028" name="Picture 4" descr="ëë¹ ì¼ë¬ì¤í¸ì ëí ì´ë¯¸ì§ ê²ìê²°ê³¼"/>
-          <p:cNvPicPr>
-            <a:picLocks noChangeAspect="1" noChangeArrowheads="1"/>
-          </p:cNvPicPr>
-          <p:nvPr/>
-        </p:nvPicPr>
-        <p:blipFill>
-          <a:blip r:embed="rId6" cstate="print">
-            <a:extLst>
-              <a:ext uri="{28A0092B-C50C-407E-A947-70E740481C1C}">
-                <a14:useLocalDpi xmlns:a14="http://schemas.microsoft.com/office/drawing/2010/main" val="0"/>
-              </a:ext>
-            </a:extLst>
-          </a:blip>
-          <a:srcRect/>
-          <a:stretch>
-            <a:fillRect/>
-          </a:stretch>
-        </p:blipFill>
-        <p:spPr bwMode="auto">
-          <a:xfrm>
-            <a:off x="6349345" y="735435"/>
-            <a:ext cx="848013" cy="881932"/>
-          </a:xfrm>
-          <a:prstGeom prst="rect">
-            <a:avLst/>
-          </a:prstGeom>
-          <a:noFill/>
-          <a:extLst>
-            <a:ext uri="{909E8E84-426E-40DD-AFC4-6F175D3DCCD1}">
-              <a14:hiddenFill xmlns:a14="http://schemas.microsoft.com/office/drawing/2010/main">
+              <a:rPr lang="en-US" altLang="ko-KR" sz="1100" dirty="0">
                 <a:solidFill>
-                  <a:srgbClr val="FFFFFF"/>
+                  <a:schemeClr val="bg1"/>
                 </a:solidFill>
-              </a14:hiddenFill>
-            </a:ext>
-          </a:extLst>
-        </p:spPr>
-      </p:pic>
-      <p:pic>
-        <p:nvPicPr>
-          <p:cNvPr id="1030" name="Picture 6" descr="ëë¹ ì¼ë¬ì¤í¸ì ëí ì´ë¯¸ì§ ê²ìê²°ê³¼"/>
-          <p:cNvPicPr>
-            <a:picLocks noChangeAspect="1" noChangeArrowheads="1"/>
-          </p:cNvPicPr>
-          <p:nvPr/>
-        </p:nvPicPr>
-        <p:blipFill>
-          <a:blip r:embed="rId7" cstate="print">
-            <a:extLst>
-              <a:ext uri="{28A0092B-C50C-407E-A947-70E740481C1C}">
-                <a14:useLocalDpi xmlns:a14="http://schemas.microsoft.com/office/drawing/2010/main" val="0"/>
-              </a:ext>
-            </a:extLst>
-          </a:blip>
-          <a:srcRect/>
-          <a:stretch>
-            <a:fillRect/>
-          </a:stretch>
-        </p:blipFill>
-        <p:spPr bwMode="auto">
-          <a:xfrm>
-            <a:off x="7473009" y="315421"/>
-            <a:ext cx="1234950" cy="1674952"/>
-          </a:xfrm>
-          <a:prstGeom prst="rect">
-            <a:avLst/>
-          </a:prstGeom>
-          <a:noFill/>
-          <a:extLst>
-            <a:ext uri="{909E8E84-426E-40DD-AFC4-6F175D3DCCD1}">
-              <a14:hiddenFill xmlns:a14="http://schemas.microsoft.com/office/drawing/2010/main">
+              </a:rPr>
+              <a:t>5</a:t>
+            </a:r>
+            <a:r>
+              <a:rPr lang="ko-KR" altLang="en-US" sz="1100" smtClean="0">
                 <a:solidFill>
-                  <a:srgbClr val="FFFFFF"/>
+                  <a:schemeClr val="bg1"/>
                 </a:solidFill>
-              </a14:hiddenFill>
-            </a:ext>
-          </a:extLst>
-        </p:spPr>
-      </p:pic>
-      <p:cxnSp>
-        <p:nvCxnSpPr>
-          <p:cNvPr id="44" name="직선 화살표 연결선 43"/>
-          <p:cNvCxnSpPr/>
-          <p:nvPr/>
-        </p:nvCxnSpPr>
-        <p:spPr>
-          <a:xfrm flipH="1">
-            <a:off x="6076950" y="1790700"/>
-            <a:ext cx="723900" cy="666750"/>
-          </a:xfrm>
-          <a:prstGeom prst="straightConnector1">
-            <a:avLst/>
-          </a:prstGeom>
-          <a:ln>
-            <a:solidFill>
-              <a:srgbClr val="FF0000"/>
-            </a:solidFill>
-            <a:tailEnd type="triangle"/>
-          </a:ln>
-        </p:spPr>
-        <p:style>
-          <a:lnRef idx="2">
-            <a:schemeClr val="accent2"/>
-          </a:lnRef>
-          <a:fillRef idx="1">
-            <a:schemeClr val="lt1"/>
-          </a:fillRef>
-          <a:effectRef idx="0">
-            <a:schemeClr val="accent2"/>
-          </a:effectRef>
-          <a:fontRef idx="minor">
-            <a:schemeClr val="dk1"/>
-          </a:fontRef>
-        </p:style>
-      </p:cxnSp>
-      <p:sp>
-        <p:nvSpPr>
-          <p:cNvPr id="47" name="TextBox 46"/>
-          <p:cNvSpPr txBox="1"/>
-          <p:nvPr/>
-        </p:nvSpPr>
-        <p:spPr>
-          <a:xfrm>
-            <a:off x="4008678" y="1533347"/>
-            <a:ext cx="2287616" cy="430887"/>
-          </a:xfrm>
-          <a:prstGeom prst="rect">
-            <a:avLst/>
-          </a:prstGeom>
-          <a:ln>
-            <a:solidFill>
-              <a:srgbClr val="FF0000"/>
-            </a:solidFill>
-          </a:ln>
-        </p:spPr>
-        <p:style>
-          <a:lnRef idx="2">
-            <a:schemeClr val="accent2"/>
-          </a:lnRef>
-          <a:fillRef idx="1">
-            <a:schemeClr val="lt1"/>
-          </a:fillRef>
-          <a:effectRef idx="0">
-            <a:schemeClr val="accent2"/>
-          </a:effectRef>
-          <a:fontRef idx="minor">
-            <a:schemeClr val="dk1"/>
-          </a:fontRef>
-        </p:style>
-        <p:txBody>
-          <a:bodyPr wrap="square" rtlCol="0">
-            <a:spAutoFit/>
-          </a:bodyPr>
-          <a:lstStyle/>
-          <a:p>
-            <a:r>
-              <a:rPr lang="ko-KR" altLang="en-US" sz="1100" dirty="0" smtClean="0"/>
-              <a:t>고양이들 주위로 노란 나비들이 날아다닌다</a:t>
-            </a:r>
-            <a:r>
-              <a:rPr lang="en-US" altLang="ko-KR" sz="1100" dirty="0" smtClean="0"/>
+              </a:rPr>
+              <a:t>월 </a:t>
+            </a:r>
+            <a:r>
+              <a:rPr lang="en-US" altLang="ko-KR" sz="1100" dirty="0">
+                <a:solidFill>
+                  <a:schemeClr val="bg1"/>
+                </a:solidFill>
+              </a:rPr>
+              <a:t>2</a:t>
+            </a:r>
+            <a:r>
+              <a:rPr lang="ko-KR" altLang="en-US" sz="1100" smtClean="0">
+                <a:solidFill>
+                  <a:schemeClr val="bg1"/>
+                </a:solidFill>
+              </a:rPr>
+              <a:t>일 </a:t>
+            </a:r>
+            <a:r>
+              <a:rPr lang="ko-KR" altLang="en-US" sz="1100">
+                <a:solidFill>
+                  <a:schemeClr val="bg1"/>
+                </a:solidFill>
+              </a:rPr>
+              <a:t>점검 후부터 </a:t>
+            </a:r>
+            <a:r>
+              <a:rPr lang="en-US" altLang="ko-KR" sz="1100" dirty="0">
+                <a:solidFill>
+                  <a:schemeClr val="bg1"/>
+                </a:solidFill>
+              </a:rPr>
+              <a:t>6</a:t>
+            </a:r>
+            <a:r>
+              <a:rPr lang="ko-KR" altLang="en-US" sz="1100" smtClean="0">
+                <a:solidFill>
+                  <a:schemeClr val="bg1"/>
+                </a:solidFill>
+              </a:rPr>
+              <a:t>월 </a:t>
+            </a:r>
+            <a:r>
+              <a:rPr lang="en-US" altLang="ko-KR" sz="1100" dirty="0" smtClean="0">
+                <a:solidFill>
+                  <a:schemeClr val="bg1"/>
+                </a:solidFill>
+              </a:rPr>
+              <a:t>6</a:t>
+            </a:r>
+            <a:r>
+              <a:rPr lang="ko-KR" altLang="en-US" sz="1100" smtClean="0">
+                <a:solidFill>
+                  <a:schemeClr val="bg1"/>
+                </a:solidFill>
+              </a:rPr>
+              <a:t>일 </a:t>
+            </a:r>
+            <a:r>
+              <a:rPr lang="ko-KR" altLang="en-US" sz="1100">
+                <a:solidFill>
+                  <a:schemeClr val="bg1"/>
+                </a:solidFill>
+              </a:rPr>
+              <a:t>점검 전까지 </a:t>
+            </a:r>
+            <a:r>
+              <a:rPr lang="ko-KR" altLang="en-US" sz="1100" smtClean="0">
+                <a:solidFill>
+                  <a:schemeClr val="bg1"/>
+                </a:solidFill>
+              </a:rPr>
+              <a:t>폼폼을 </a:t>
+            </a:r>
+            <a:r>
+              <a:rPr lang="en-US" altLang="ko-KR" sz="1100" dirty="0">
+                <a:solidFill>
+                  <a:schemeClr val="bg1"/>
+                </a:solidFill>
+              </a:rPr>
+              <a:t>‘</a:t>
+            </a:r>
+            <a:r>
+              <a:rPr lang="ko-KR" altLang="en-US" sz="1100">
+                <a:solidFill>
+                  <a:schemeClr val="bg1"/>
+                </a:solidFill>
+              </a:rPr>
+              <a:t>캡슐머신</a:t>
+            </a:r>
+            <a:r>
+              <a:rPr lang="en-US" altLang="ko-KR" sz="1100" dirty="0">
+                <a:solidFill>
+                  <a:schemeClr val="bg1"/>
+                </a:solidFill>
+              </a:rPr>
+              <a:t>’</a:t>
+            </a:r>
+            <a:r>
+              <a:rPr lang="ko-KR" altLang="en-US" sz="1100">
+                <a:solidFill>
+                  <a:schemeClr val="bg1"/>
+                </a:solidFill>
+              </a:rPr>
+              <a:t>에서 획득할 수 있습니다</a:t>
+            </a:r>
+            <a:r>
+              <a:rPr lang="en-US" altLang="ko-KR" sz="1100" dirty="0">
+                <a:solidFill>
+                  <a:schemeClr val="bg1"/>
+                </a:solidFill>
+              </a:rPr>
               <a:t>.</a:t>
             </a:r>
-            <a:endParaRPr lang="en-US" altLang="ko-KR" sz="1100" dirty="0" smtClean="0"/>
-          </a:p>
-        </p:txBody>
-      </p:sp>
-      <p:sp>
-        <p:nvSpPr>
-          <p:cNvPr id="48" name="직각 삼각형 47"/>
-          <p:cNvSpPr/>
-          <p:nvPr/>
-        </p:nvSpPr>
-        <p:spPr>
-          <a:xfrm>
-            <a:off x="2602345" y="3413155"/>
-            <a:ext cx="294888" cy="294889"/>
-          </a:xfrm>
-          <a:prstGeom prst="rtTriangle">
-            <a:avLst/>
-          </a:prstGeom>
-          <a:ln>
-            <a:noFill/>
-          </a:ln>
-        </p:spPr>
-        <p:style>
-          <a:lnRef idx="2">
-            <a:schemeClr val="accent4">
-              <a:shade val="50000"/>
-            </a:schemeClr>
-          </a:lnRef>
-          <a:fillRef idx="1">
-            <a:schemeClr val="accent4"/>
-          </a:fillRef>
-          <a:effectRef idx="0">
-            <a:schemeClr val="accent4"/>
-          </a:effectRef>
-          <a:fontRef idx="minor">
-            <a:schemeClr val="lt1"/>
-          </a:fontRef>
-        </p:style>
-        <p:txBody>
-          <a:bodyPr rtlCol="0" anchor="ctr"/>
-          <a:lstStyle/>
-          <a:p>
-            <a:pPr algn="ctr"/>
-            <a:endParaRPr lang="ko-KR" altLang="en-US"/>
-          </a:p>
-        </p:txBody>
-      </p:sp>
-      <p:sp>
-        <p:nvSpPr>
-          <p:cNvPr id="49" name="직각 삼각형 48"/>
-          <p:cNvSpPr/>
-          <p:nvPr/>
-        </p:nvSpPr>
-        <p:spPr>
-          <a:xfrm rot="10800000">
-            <a:off x="2305889" y="3708044"/>
-            <a:ext cx="294888" cy="294889"/>
-          </a:xfrm>
-          <a:prstGeom prst="rtTriangle">
-            <a:avLst/>
-          </a:prstGeom>
-          <a:ln>
-            <a:noFill/>
-          </a:ln>
-        </p:spPr>
-        <p:style>
-          <a:lnRef idx="2">
-            <a:schemeClr val="accent4">
-              <a:shade val="50000"/>
-            </a:schemeClr>
-          </a:lnRef>
-          <a:fillRef idx="1">
-            <a:schemeClr val="accent4"/>
-          </a:fillRef>
-          <a:effectRef idx="0">
-            <a:schemeClr val="accent4"/>
-          </a:effectRef>
-          <a:fontRef idx="minor">
-            <a:schemeClr val="lt1"/>
-          </a:fontRef>
-        </p:style>
-        <p:txBody>
-          <a:bodyPr rtlCol="0" anchor="ctr"/>
-          <a:lstStyle/>
-          <a:p>
-            <a:pPr algn="ctr"/>
-            <a:endParaRPr lang="ko-KR" altLang="en-US"/>
-          </a:p>
-        </p:txBody>
-      </p:sp>
-      <p:sp>
-        <p:nvSpPr>
-          <p:cNvPr id="50" name="자유형 49"/>
-          <p:cNvSpPr/>
-          <p:nvPr/>
-        </p:nvSpPr>
-        <p:spPr>
-          <a:xfrm>
-            <a:off x="2704457" y="3807518"/>
-            <a:ext cx="467367" cy="297757"/>
-          </a:xfrm>
-          <a:custGeom>
-            <a:avLst/>
-            <a:gdLst>
-              <a:gd name="connsiteX0" fmla="*/ 0 w 270344"/>
-              <a:gd name="connsiteY0" fmla="*/ 0 h 144081"/>
-              <a:gd name="connsiteX1" fmla="*/ 79513 w 270344"/>
-              <a:gd name="connsiteY1" fmla="*/ 7951 h 144081"/>
-              <a:gd name="connsiteX2" fmla="*/ 103367 w 270344"/>
-              <a:gd name="connsiteY2" fmla="*/ 15902 h 144081"/>
-              <a:gd name="connsiteX3" fmla="*/ 143123 w 270344"/>
-              <a:gd name="connsiteY3" fmla="*/ 63610 h 144081"/>
-              <a:gd name="connsiteX4" fmla="*/ 166977 w 270344"/>
-              <a:gd name="connsiteY4" fmla="*/ 87464 h 144081"/>
-              <a:gd name="connsiteX5" fmla="*/ 198782 w 270344"/>
-              <a:gd name="connsiteY5" fmla="*/ 135172 h 144081"/>
-              <a:gd name="connsiteX6" fmla="*/ 270344 w 270344"/>
-              <a:gd name="connsiteY6" fmla="*/ 143123 h 144081"/>
-            </a:gdLst>
-            <a:ahLst/>
-            <a:cxnLst>
-              <a:cxn ang="0">
-                <a:pos x="connsiteX0" y="connsiteY0"/>
-              </a:cxn>
-              <a:cxn ang="0">
-                <a:pos x="connsiteX1" y="connsiteY1"/>
-              </a:cxn>
-              <a:cxn ang="0">
-                <a:pos x="connsiteX2" y="connsiteY2"/>
-              </a:cxn>
-              <a:cxn ang="0">
-                <a:pos x="connsiteX3" y="connsiteY3"/>
-              </a:cxn>
-              <a:cxn ang="0">
-                <a:pos x="connsiteX4" y="connsiteY4"/>
-              </a:cxn>
-              <a:cxn ang="0">
-                <a:pos x="connsiteX5" y="connsiteY5"/>
-              </a:cxn>
-              <a:cxn ang="0">
-                <a:pos x="connsiteX6" y="connsiteY6"/>
-              </a:cxn>
-            </a:cxnLst>
-            <a:rect l="l" t="t" r="r" b="b"/>
-            <a:pathLst>
-              <a:path w="270344" h="144081">
-                <a:moveTo>
-                  <a:pt x="0" y="0"/>
-                </a:moveTo>
-                <a:cubicBezTo>
-                  <a:pt x="26504" y="2650"/>
-                  <a:pt x="53186" y="3901"/>
-                  <a:pt x="79513" y="7951"/>
-                </a:cubicBezTo>
-                <a:cubicBezTo>
-                  <a:pt x="87797" y="9225"/>
-                  <a:pt x="96393" y="11253"/>
-                  <a:pt x="103367" y="15902"/>
-                </a:cubicBezTo>
-                <a:cubicBezTo>
-                  <a:pt x="129502" y="33325"/>
-                  <a:pt x="124788" y="41607"/>
-                  <a:pt x="143123" y="63610"/>
-                </a:cubicBezTo>
-                <a:cubicBezTo>
-                  <a:pt x="150322" y="72249"/>
-                  <a:pt x="160073" y="78588"/>
-                  <a:pt x="166977" y="87464"/>
-                </a:cubicBezTo>
-                <a:cubicBezTo>
-                  <a:pt x="178711" y="102551"/>
-                  <a:pt x="180650" y="129128"/>
-                  <a:pt x="198782" y="135172"/>
-                </a:cubicBezTo>
-                <a:cubicBezTo>
-                  <a:pt x="237723" y="148152"/>
-                  <a:pt x="214255" y="143123"/>
-                  <a:pt x="270344" y="143123"/>
-                </a:cubicBezTo>
-              </a:path>
-            </a:pathLst>
-          </a:custGeom>
-        </p:spPr>
-        <p:style>
-          <a:lnRef idx="1">
-            <a:schemeClr val="dk1"/>
-          </a:lnRef>
-          <a:fillRef idx="0">
-            <a:schemeClr val="dk1"/>
-          </a:fillRef>
-          <a:effectRef idx="0">
-            <a:schemeClr val="dk1"/>
-          </a:effectRef>
-          <a:fontRef idx="minor">
-            <a:schemeClr val="tx1"/>
-          </a:fontRef>
-        </p:style>
-        <p:txBody>
-          <a:bodyPr rtlCol="0" anchor="ctr"/>
-          <a:lstStyle/>
-          <a:p>
-            <a:pPr algn="ctr"/>
-            <a:endParaRPr lang="ko-KR" altLang="en-US"/>
+            <a:endParaRPr lang="ko-KR" altLang="en-US" sz="1100" dirty="0">
+              <a:solidFill>
+                <a:schemeClr val="bg1"/>
+              </a:solidFill>
+            </a:endParaRPr>
           </a:p>
         </p:txBody>
       </p:sp>
     </p:spTree>
     <p:extLst>
       <p:ext uri="{BB962C8B-B14F-4D97-AF65-F5344CB8AC3E}">
-        <p14:creationId xmlns:p14="http://schemas.microsoft.com/office/powerpoint/2010/main" val="399359028"/>
+        <p14:creationId xmlns:p14="http://schemas.microsoft.com/office/powerpoint/2010/main" val="2070592977"/>
       </p:ext>
     </p:extLst>
   </p:cSld>
@@ -5683,14 +3685,14 @@
       </p:grpSpPr>
       <p:sp>
         <p:nvSpPr>
-          <p:cNvPr id="4" name="TextBox 3"/>
+          <p:cNvPr id="13" name="TextBox 12"/>
           <p:cNvSpPr txBox="1"/>
           <p:nvPr/>
         </p:nvSpPr>
         <p:spPr>
           <a:xfrm>
-            <a:off x="0" y="12059"/>
-            <a:ext cx="4881465" cy="369332"/>
+            <a:off x="0" y="10742"/>
+            <a:ext cx="4283545" cy="338554"/>
           </a:xfrm>
           <a:prstGeom prst="rect">
             <a:avLst/>
@@ -5704,143 +3706,158 @@
           <a:lstStyle/>
           <a:p>
             <a:r>
-              <a:rPr lang="ko-KR" altLang="en-US" smtClean="0"/>
-              <a:t>아래와 같이 푸른 동산 꽃밭을 배경으로 한다</a:t>
-            </a:r>
-            <a:r>
-              <a:rPr lang="en-US" altLang="ko-KR" dirty="0" smtClean="0"/>
+              <a:rPr lang="ko-KR" altLang="en-US" sz="1600" smtClean="0"/>
+              <a:t>아래와 같이 밤하늘 은하수를 배경으로 한다</a:t>
+            </a:r>
+            <a:r>
+              <a:rPr lang="en-US" altLang="ko-KR" sz="1600" dirty="0" smtClean="0"/>
               <a:t>.</a:t>
             </a:r>
-            <a:endParaRPr lang="en-US" altLang="ko-KR" dirty="0" smtClean="0"/>
-          </a:p>
-        </p:txBody>
-      </p:sp>
+            <a:endParaRPr lang="en-US" altLang="ko-KR" sz="1600" dirty="0"/>
+          </a:p>
+        </p:txBody>
+      </p:sp>
+      <p:grpSp>
+        <p:nvGrpSpPr>
+          <p:cNvPr id="4" name="그룹 3"/>
+          <p:cNvGrpSpPr/>
+          <p:nvPr/>
+        </p:nvGrpSpPr>
+        <p:grpSpPr>
+          <a:xfrm>
+            <a:off x="0" y="349295"/>
+            <a:ext cx="12192000" cy="2652492"/>
+            <a:chOff x="0" y="349295"/>
+            <a:chExt cx="12667108" cy="2755856"/>
+          </a:xfrm>
+        </p:grpSpPr>
+        <p:pic>
+          <p:nvPicPr>
+            <p:cNvPr id="3074" name="Picture 2" descr="milky way illustrationì ëí ì´ë¯¸ì§ ê²ìê²°ê³¼"/>
+            <p:cNvPicPr>
+              <a:picLocks noChangeAspect="1" noChangeArrowheads="1"/>
+            </p:cNvPicPr>
+            <p:nvPr/>
+          </p:nvPicPr>
+          <p:blipFill>
+            <a:blip r:embed="rId2">
+              <a:extLst>
+                <a:ext uri="{28A0092B-C50C-407E-A947-70E740481C1C}">
+                  <a14:useLocalDpi xmlns:a14="http://schemas.microsoft.com/office/drawing/2010/main" val="0"/>
+                </a:ext>
+              </a:extLst>
+            </a:blip>
+            <a:srcRect/>
+            <a:stretch>
+              <a:fillRect/>
+            </a:stretch>
+          </p:blipFill>
+          <p:spPr bwMode="auto">
+            <a:xfrm>
+              <a:off x="0" y="349297"/>
+              <a:ext cx="4413288" cy="2755854"/>
+            </a:xfrm>
+            <a:prstGeom prst="rect">
+              <a:avLst/>
+            </a:prstGeom>
+            <a:noFill/>
+            <a:extLst>
+              <a:ext uri="{909E8E84-426E-40DD-AFC4-6F175D3DCCD1}">
+                <a14:hiddenFill xmlns:a14="http://schemas.microsoft.com/office/drawing/2010/main">
+                  <a:solidFill>
+                    <a:srgbClr val="FFFFFF"/>
+                  </a:solidFill>
+                </a14:hiddenFill>
+              </a:ext>
+            </a:extLst>
+          </p:spPr>
+        </p:pic>
+        <p:pic>
+          <p:nvPicPr>
+            <p:cNvPr id="3076" name="Picture 4" descr="milky way illustrationì ëí ì´ë¯¸ì§ ê²ìê²°ê³¼"/>
+            <p:cNvPicPr>
+              <a:picLocks noChangeAspect="1" noChangeArrowheads="1"/>
+            </p:cNvPicPr>
+            <p:nvPr/>
+          </p:nvPicPr>
+          <p:blipFill>
+            <a:blip r:embed="rId3">
+              <a:extLst>
+                <a:ext uri="{28A0092B-C50C-407E-A947-70E740481C1C}">
+                  <a14:useLocalDpi xmlns:a14="http://schemas.microsoft.com/office/drawing/2010/main" val="0"/>
+                </a:ext>
+              </a:extLst>
+            </a:blip>
+            <a:srcRect/>
+            <a:stretch>
+              <a:fillRect/>
+            </a:stretch>
+          </p:blipFill>
+          <p:spPr bwMode="auto">
+            <a:xfrm>
+              <a:off x="4413288" y="349296"/>
+              <a:ext cx="5497965" cy="2755855"/>
+            </a:xfrm>
+            <a:prstGeom prst="rect">
+              <a:avLst/>
+            </a:prstGeom>
+            <a:noFill/>
+            <a:extLst>
+              <a:ext uri="{909E8E84-426E-40DD-AFC4-6F175D3DCCD1}">
+                <a14:hiddenFill xmlns:a14="http://schemas.microsoft.com/office/drawing/2010/main">
+                  <a:solidFill>
+                    <a:srgbClr val="FFFFFF"/>
+                  </a:solidFill>
+                </a14:hiddenFill>
+              </a:ext>
+            </a:extLst>
+          </p:spPr>
+        </p:pic>
+        <p:pic>
+          <p:nvPicPr>
+            <p:cNvPr id="3078" name="Picture 6" descr="ê´ë ¨ ì´ë¯¸ì§"/>
+            <p:cNvPicPr>
+              <a:picLocks noChangeAspect="1" noChangeArrowheads="1"/>
+            </p:cNvPicPr>
+            <p:nvPr/>
+          </p:nvPicPr>
+          <p:blipFill>
+            <a:blip r:embed="rId4" cstate="print">
+              <a:extLst>
+                <a:ext uri="{28A0092B-C50C-407E-A947-70E740481C1C}">
+                  <a14:useLocalDpi xmlns:a14="http://schemas.microsoft.com/office/drawing/2010/main" val="0"/>
+                </a:ext>
+              </a:extLst>
+            </a:blip>
+            <a:srcRect/>
+            <a:stretch>
+              <a:fillRect/>
+            </a:stretch>
+          </p:blipFill>
+          <p:spPr bwMode="auto">
+            <a:xfrm rot="5400000">
+              <a:off x="9911252" y="349295"/>
+              <a:ext cx="2755856" cy="2755856"/>
+            </a:xfrm>
+            <a:prstGeom prst="rect">
+              <a:avLst/>
+            </a:prstGeom>
+            <a:noFill/>
+            <a:extLst>
+              <a:ext uri="{909E8E84-426E-40DD-AFC4-6F175D3DCCD1}">
+                <a14:hiddenFill xmlns:a14="http://schemas.microsoft.com/office/drawing/2010/main">
+                  <a:solidFill>
+                    <a:srgbClr val="FFFFFF"/>
+                  </a:solidFill>
+                </a14:hiddenFill>
+              </a:ext>
+            </a:extLst>
+          </p:spPr>
+        </p:pic>
+      </p:grpSp>
       <p:pic>
         <p:nvPicPr>
-          <p:cNvPr id="3074" name="Picture 2" descr="ë´ ì¼ë¬ì¤í¸ì ëí ì´ë¯¸ì§ ê²ìê²°ê³¼"/>
-          <p:cNvPicPr>
-            <a:picLocks noChangeAspect="1" noChangeArrowheads="1"/>
-          </p:cNvPicPr>
-          <p:nvPr/>
-        </p:nvPicPr>
-        <p:blipFill>
-          <a:blip r:embed="rId2">
-            <a:extLst>
-              <a:ext uri="{28A0092B-C50C-407E-A947-70E740481C1C}">
-                <a14:useLocalDpi xmlns:a14="http://schemas.microsoft.com/office/drawing/2010/main" val="0"/>
-              </a:ext>
-            </a:extLst>
-          </a:blip>
-          <a:srcRect/>
-          <a:stretch>
-            <a:fillRect/>
-          </a:stretch>
-        </p:blipFill>
-        <p:spPr bwMode="auto">
-          <a:xfrm>
-            <a:off x="146050" y="539750"/>
-            <a:ext cx="4286250" cy="3076575"/>
-          </a:xfrm>
-          <a:prstGeom prst="rect">
-            <a:avLst/>
-          </a:prstGeom>
-          <a:noFill/>
-          <a:extLst>
-            <a:ext uri="{909E8E84-426E-40DD-AFC4-6F175D3DCCD1}">
-              <a14:hiddenFill xmlns:a14="http://schemas.microsoft.com/office/drawing/2010/main">
-                <a:solidFill>
-                  <a:srgbClr val="FFFFFF"/>
-                </a:solidFill>
-              </a14:hiddenFill>
-            </a:ext>
-          </a:extLst>
-        </p:spPr>
-      </p:pic>
-      <p:pic>
-        <p:nvPicPr>
-          <p:cNvPr id="3076" name="Picture 4" descr="ë´ ì¼ë¬ì¤í¸ì ëí ì´ë¯¸ì§ ê²ìê²°ê³¼"/>
-          <p:cNvPicPr>
-            <a:picLocks noChangeAspect="1" noChangeArrowheads="1"/>
-          </p:cNvPicPr>
-          <p:nvPr/>
-        </p:nvPicPr>
-        <p:blipFill>
-          <a:blip r:embed="rId3">
-            <a:extLst>
-              <a:ext uri="{28A0092B-C50C-407E-A947-70E740481C1C}">
-                <a14:useLocalDpi xmlns:a14="http://schemas.microsoft.com/office/drawing/2010/main" val="0"/>
-              </a:ext>
-            </a:extLst>
-          </a:blip>
-          <a:srcRect/>
-          <a:stretch>
-            <a:fillRect/>
-          </a:stretch>
-        </p:blipFill>
-        <p:spPr bwMode="auto">
-          <a:xfrm>
-            <a:off x="4706349" y="846947"/>
-            <a:ext cx="5500277" cy="3849657"/>
-          </a:xfrm>
-          <a:prstGeom prst="rect">
-            <a:avLst/>
-          </a:prstGeom>
-          <a:noFill/>
-          <a:extLst>
-            <a:ext uri="{909E8E84-426E-40DD-AFC4-6F175D3DCCD1}">
-              <a14:hiddenFill xmlns:a14="http://schemas.microsoft.com/office/drawing/2010/main">
-                <a:solidFill>
-                  <a:srgbClr val="FFFFFF"/>
-                </a:solidFill>
-              </a14:hiddenFill>
-            </a:ext>
-          </a:extLst>
-        </p:spPr>
-      </p:pic>
-      <p:pic>
-        <p:nvPicPr>
-          <p:cNvPr id="3078" name="Picture 6" descr="ë´ ê½ë°­ ì¼ë¬ì¤í¸ì ëí ì´ë¯¸ì§ ê²ìê²°ê³¼"/>
-          <p:cNvPicPr>
-            <a:picLocks noChangeAspect="1" noChangeArrowheads="1"/>
-          </p:cNvPicPr>
-          <p:nvPr/>
-        </p:nvPicPr>
-        <p:blipFill>
-          <a:blip r:embed="rId4">
-            <a:extLst>
-              <a:ext uri="{28A0092B-C50C-407E-A947-70E740481C1C}">
-                <a14:useLocalDpi xmlns:a14="http://schemas.microsoft.com/office/drawing/2010/main" val="0"/>
-              </a:ext>
-            </a:extLst>
-          </a:blip>
-          <a:srcRect/>
-          <a:stretch>
-            <a:fillRect/>
-          </a:stretch>
-        </p:blipFill>
-        <p:spPr bwMode="auto">
-          <a:xfrm>
-            <a:off x="212725" y="4243387"/>
-            <a:ext cx="4762500" cy="2495551"/>
-          </a:xfrm>
-          <a:prstGeom prst="rect">
-            <a:avLst/>
-          </a:prstGeom>
-          <a:noFill/>
-          <a:extLst>
-            <a:ext uri="{909E8E84-426E-40DD-AFC4-6F175D3DCCD1}">
-              <a14:hiddenFill xmlns:a14="http://schemas.microsoft.com/office/drawing/2010/main">
-                <a:solidFill>
-                  <a:srgbClr val="FFFFFF"/>
-                </a:solidFill>
-              </a14:hiddenFill>
-            </a:ext>
-          </a:extLst>
-        </p:spPr>
-      </p:pic>
-      <p:pic>
-        <p:nvPicPr>
-          <p:cNvPr id="3080" name="Picture 8" descr="ë´ ê½ë°­ ì¼ë¬ì¤í¸ì ëí ì´ë¯¸ì§ ê²ìê²°ê³¼"/>
+          <p:cNvPr id="3080" name="Picture 8" descr="milky way illustrationì ëí ì´ë¯¸ì§ ê²ìê²°ê³¼"/>
           <p:cNvPicPr>
             <a:picLocks noChangeAspect="1" noChangeArrowheads="1"/>
           </p:cNvPicPr>
@@ -5861,8 +3878,90 @@
         </p:blipFill>
         <p:spPr bwMode="auto">
           <a:xfrm>
-            <a:off x="9002106" y="4332604"/>
-            <a:ext cx="2957137" cy="2525396"/>
+            <a:off x="-2705" y="3001787"/>
+            <a:ext cx="4286250" cy="3390900"/>
+          </a:xfrm>
+          <a:prstGeom prst="rect">
+            <a:avLst/>
+          </a:prstGeom>
+          <a:noFill/>
+          <a:extLst>
+            <a:ext uri="{909E8E84-426E-40DD-AFC4-6F175D3DCCD1}">
+              <a14:hiddenFill xmlns:a14="http://schemas.microsoft.com/office/drawing/2010/main">
+                <a:solidFill>
+                  <a:srgbClr val="FFFFFF"/>
+                </a:solidFill>
+              </a14:hiddenFill>
+            </a:ext>
+          </a:extLst>
+        </p:spPr>
+      </p:pic>
+      <p:pic>
+        <p:nvPicPr>
+          <p:cNvPr id="3082" name="Picture 10" descr="milky way illustrationì ëí ì´ë¯¸ì§ ê²ìê²°ê³¼"/>
+          <p:cNvPicPr>
+            <a:picLocks noChangeAspect="1" noChangeArrowheads="1"/>
+          </p:cNvPicPr>
+          <p:nvPr/>
+        </p:nvPicPr>
+        <p:blipFill>
+          <a:blip r:embed="rId6">
+            <a:extLst>
+              <a:ext uri="{28A0092B-C50C-407E-A947-70E740481C1C}">
+                <a14:useLocalDpi xmlns:a14="http://schemas.microsoft.com/office/drawing/2010/main" val="0"/>
+              </a:ext>
+            </a:extLst>
+          </a:blip>
+          <a:srcRect/>
+          <a:stretch>
+            <a:fillRect/>
+          </a:stretch>
+        </p:blipFill>
+        <p:spPr bwMode="auto">
+          <a:xfrm>
+            <a:off x="4283545" y="3001787"/>
+            <a:ext cx="3260481" cy="3390900"/>
+          </a:xfrm>
+          <a:prstGeom prst="rect">
+            <a:avLst/>
+          </a:prstGeom>
+          <a:noFill/>
+          <a:extLst>
+            <a:ext uri="{909E8E84-426E-40DD-AFC4-6F175D3DCCD1}">
+              <a14:hiddenFill xmlns:a14="http://schemas.microsoft.com/office/drawing/2010/main">
+                <a:solidFill>
+                  <a:srgbClr val="FFFFFF"/>
+                </a:solidFill>
+              </a14:hiddenFill>
+            </a:ext>
+          </a:extLst>
+        </p:spPr>
+      </p:pic>
+      <p:pic>
+        <p:nvPicPr>
+          <p:cNvPr id="3084" name="Picture 12" descr="ê´ë ¨ ì´ë¯¸ì§"/>
+          <p:cNvPicPr>
+            <a:picLocks noChangeAspect="1" noChangeArrowheads="1"/>
+          </p:cNvPicPr>
+          <p:nvPr/>
+        </p:nvPicPr>
+        <p:blipFill>
+          <a:blip r:embed="rId7">
+            <a:extLst>
+              <a:ext uri="{28A0092B-C50C-407E-A947-70E740481C1C}">
+                <a14:useLocalDpi xmlns:a14="http://schemas.microsoft.com/office/drawing/2010/main" val="0"/>
+              </a:ext>
+            </a:extLst>
+          </a:blip>
+          <a:srcRect/>
+          <a:stretch>
+            <a:fillRect/>
+          </a:stretch>
+        </p:blipFill>
+        <p:spPr bwMode="auto">
+          <a:xfrm>
+            <a:off x="7547465" y="3001787"/>
+            <a:ext cx="3281515" cy="3390900"/>
           </a:xfrm>
           <a:prstGeom prst="rect">
             <a:avLst/>
@@ -5882,235 +3981,7 @@
     </p:spTree>
     <p:extLst>
       <p:ext uri="{BB962C8B-B14F-4D97-AF65-F5344CB8AC3E}">
-        <p14:creationId xmlns:p14="http://schemas.microsoft.com/office/powerpoint/2010/main" val="3754676000"/>
-      </p:ext>
-    </p:extLst>
-  </p:cSld>
-  <p:clrMapOvr>
-    <a:masterClrMapping/>
-  </p:clrMapOvr>
-</p:sld>
-</file>
-
-<file path=ppt/slides/slide4.xml><?xml version="1.0" encoding="utf-8"?>
-<p:sld xmlns:a="http://schemas.openxmlformats.org/drawingml/2006/main" xmlns:r="http://schemas.openxmlformats.org/officeDocument/2006/relationships" xmlns:p="http://schemas.openxmlformats.org/presentationml/2006/main">
-  <p:cSld>
-    <p:spTree>
-      <p:nvGrpSpPr>
-        <p:cNvPr id="1" name=""/>
-        <p:cNvGrpSpPr/>
-        <p:nvPr/>
-      </p:nvGrpSpPr>
-      <p:grpSpPr>
-        <a:xfrm>
-          <a:off x="0" y="0"/>
-          <a:ext cx="0" cy="0"/>
-          <a:chOff x="0" y="0"/>
-          <a:chExt cx="0" cy="0"/>
-        </a:xfrm>
-      </p:grpSpPr>
-      <p:sp>
-        <p:nvSpPr>
-          <p:cNvPr id="7" name="TextBox 6"/>
-          <p:cNvSpPr txBox="1"/>
-          <p:nvPr/>
-        </p:nvSpPr>
-        <p:spPr>
-          <a:xfrm>
-            <a:off x="0" y="12059"/>
-            <a:ext cx="5440913" cy="369332"/>
-          </a:xfrm>
-          <a:prstGeom prst="rect">
-            <a:avLst/>
-          </a:prstGeom>
-          <a:noFill/>
-        </p:spPr>
-        <p:txBody>
-          <a:bodyPr wrap="none" rtlCol="0">
-            <a:spAutoFit/>
-          </a:bodyPr>
-          <a:lstStyle/>
-          <a:p>
-            <a:r>
-              <a:rPr lang="ko-KR" altLang="en-US" smtClean="0"/>
-              <a:t>고양이들 주위로 아래와 같이 나비들이 날아다닌다</a:t>
-            </a:r>
-            <a:r>
-              <a:rPr lang="en-US" altLang="ko-KR" dirty="0" smtClean="0"/>
-              <a:t>.</a:t>
-            </a:r>
-            <a:endParaRPr lang="ko-KR" altLang="en-US" dirty="0"/>
-          </a:p>
-        </p:txBody>
-      </p:sp>
-      <p:pic>
-        <p:nvPicPr>
-          <p:cNvPr id="2050" name="Picture 2" descr="ëë¹ ì¼ë¬ì¤í¸ì ëí ì´ë¯¸ì§ ê²ìê²°ê³¼"/>
-          <p:cNvPicPr>
-            <a:picLocks noChangeAspect="1" noChangeArrowheads="1"/>
-          </p:cNvPicPr>
-          <p:nvPr/>
-        </p:nvPicPr>
-        <p:blipFill>
-          <a:blip r:embed="rId2">
-            <a:extLst>
-              <a:ext uri="{28A0092B-C50C-407E-A947-70E740481C1C}">
-                <a14:useLocalDpi xmlns:a14="http://schemas.microsoft.com/office/drawing/2010/main" val="0"/>
-              </a:ext>
-            </a:extLst>
-          </a:blip>
-          <a:srcRect/>
-          <a:stretch>
-            <a:fillRect/>
-          </a:stretch>
-        </p:blipFill>
-        <p:spPr bwMode="auto">
-          <a:xfrm>
-            <a:off x="269875" y="1152525"/>
-            <a:ext cx="3924300" cy="4286250"/>
-          </a:xfrm>
-          <a:prstGeom prst="rect">
-            <a:avLst/>
-          </a:prstGeom>
-          <a:noFill/>
-          <a:extLst>
-            <a:ext uri="{909E8E84-426E-40DD-AFC4-6F175D3DCCD1}">
-              <a14:hiddenFill xmlns:a14="http://schemas.microsoft.com/office/drawing/2010/main">
-                <a:solidFill>
-                  <a:srgbClr val="FFFFFF"/>
-                </a:solidFill>
-              </a14:hiddenFill>
-            </a:ext>
-          </a:extLst>
-        </p:spPr>
-      </p:pic>
-      <p:pic>
-        <p:nvPicPr>
-          <p:cNvPr id="6" name="Picture 4" descr="ëë¹ ì¼ë¬ì¤í¸ì ëí ì´ë¯¸ì§ ê²ìê²°ê³¼"/>
-          <p:cNvPicPr>
-            <a:picLocks noChangeAspect="1" noChangeArrowheads="1"/>
-          </p:cNvPicPr>
-          <p:nvPr/>
-        </p:nvPicPr>
-        <p:blipFill>
-          <a:blip r:embed="rId3" cstate="print">
-            <a:extLst>
-              <a:ext uri="{28A0092B-C50C-407E-A947-70E740481C1C}">
-                <a14:useLocalDpi xmlns:a14="http://schemas.microsoft.com/office/drawing/2010/main" val="0"/>
-              </a:ext>
-            </a:extLst>
-          </a:blip>
-          <a:srcRect/>
-          <a:stretch>
-            <a:fillRect/>
-          </a:stretch>
-        </p:blipFill>
-        <p:spPr bwMode="auto">
-          <a:xfrm>
-            <a:off x="4653895" y="1553489"/>
-            <a:ext cx="1567287" cy="1629976"/>
-          </a:xfrm>
-          <a:prstGeom prst="rect">
-            <a:avLst/>
-          </a:prstGeom>
-          <a:noFill/>
-          <a:extLst>
-            <a:ext uri="{909E8E84-426E-40DD-AFC4-6F175D3DCCD1}">
-              <a14:hiddenFill xmlns:a14="http://schemas.microsoft.com/office/drawing/2010/main">
-                <a:solidFill>
-                  <a:srgbClr val="FFFFFF"/>
-                </a:solidFill>
-              </a14:hiddenFill>
-            </a:ext>
-          </a:extLst>
-        </p:spPr>
-      </p:pic>
-      <p:pic>
-        <p:nvPicPr>
-          <p:cNvPr id="8" name="Picture 6" descr="ëë¹ ì¼ë¬ì¤í¸ì ëí ì´ë¯¸ì§ ê²ìê²°ê³¼"/>
-          <p:cNvPicPr>
-            <a:picLocks noChangeAspect="1" noChangeArrowheads="1"/>
-          </p:cNvPicPr>
-          <p:nvPr/>
-        </p:nvPicPr>
-        <p:blipFill>
-          <a:blip r:embed="rId4" cstate="print">
-            <a:extLst>
-              <a:ext uri="{28A0092B-C50C-407E-A947-70E740481C1C}">
-                <a14:useLocalDpi xmlns:a14="http://schemas.microsoft.com/office/drawing/2010/main" val="0"/>
-              </a:ext>
-            </a:extLst>
-          </a:blip>
-          <a:srcRect/>
-          <a:stretch>
-            <a:fillRect/>
-          </a:stretch>
-        </p:blipFill>
-        <p:spPr bwMode="auto">
-          <a:xfrm>
-            <a:off x="9673283" y="820664"/>
-            <a:ext cx="2282419" cy="3095625"/>
-          </a:xfrm>
-          <a:prstGeom prst="rect">
-            <a:avLst/>
-          </a:prstGeom>
-          <a:noFill/>
-          <a:extLst>
-            <a:ext uri="{909E8E84-426E-40DD-AFC4-6F175D3DCCD1}">
-              <a14:hiddenFill xmlns:a14="http://schemas.microsoft.com/office/drawing/2010/main">
-                <a:solidFill>
-                  <a:srgbClr val="FFFFFF"/>
-                </a:solidFill>
-              </a14:hiddenFill>
-            </a:ext>
-          </a:extLst>
-        </p:spPr>
-      </p:pic>
-      <p:pic>
-        <p:nvPicPr>
-          <p:cNvPr id="2052" name="Picture 4" descr="ëë¹ ì¼ë¬ì¤í¸ì ëí ì´ë¯¸ì§ ê²ìê²°ê³¼"/>
-          <p:cNvPicPr>
-            <a:picLocks noChangeAspect="1" noChangeArrowheads="1"/>
-          </p:cNvPicPr>
-          <p:nvPr/>
-        </p:nvPicPr>
-        <p:blipFill>
-          <a:blip r:embed="rId5">
-            <a:extLst>
-              <a:ext uri="{28A0092B-C50C-407E-A947-70E740481C1C}">
-                <a14:useLocalDpi xmlns:a14="http://schemas.microsoft.com/office/drawing/2010/main" val="0"/>
-              </a:ext>
-            </a:extLst>
-          </a:blip>
-          <a:srcRect/>
-          <a:stretch>
-            <a:fillRect/>
-          </a:stretch>
-        </p:blipFill>
-        <p:spPr bwMode="auto">
-          <a:xfrm>
-            <a:off x="4402487" y="3286368"/>
-            <a:ext cx="4879277" cy="3571632"/>
-          </a:xfrm>
-          <a:prstGeom prst="rect">
-            <a:avLst/>
-          </a:prstGeom>
-          <a:noFill/>
-          <a:extLst>
-            <a:ext uri="{909E8E84-426E-40DD-AFC4-6F175D3DCCD1}">
-              <a14:hiddenFill xmlns:a14="http://schemas.microsoft.com/office/drawing/2010/main">
-                <a:solidFill>
-                  <a:srgbClr val="FFFFFF"/>
-                </a:solidFill>
-              </a14:hiddenFill>
-            </a:ext>
-          </a:extLst>
-        </p:spPr>
-      </p:pic>
-    </p:spTree>
-    <p:extLst>
-      <p:ext uri="{BB962C8B-B14F-4D97-AF65-F5344CB8AC3E}">
-        <p14:creationId xmlns:p14="http://schemas.microsoft.com/office/powerpoint/2010/main" val="2740037879"/>
+        <p14:creationId xmlns:p14="http://schemas.microsoft.com/office/powerpoint/2010/main" val="3872099435"/>
       </p:ext>
     </p:extLst>
   </p:cSld>
